--- a/Artefacts/Project Elixir Technical Details.pptx
+++ b/Artefacts/Project Elixir Technical Details.pptx
@@ -22,16 +22,17 @@
     <p:sldId id="266" r:id="rId17"/>
     <p:sldId id="267" r:id="rId18"/>
     <p:sldId id="268" r:id="rId19"/>
+    <p:sldId id="269" r:id="rId20"/>
   </p:sldIdLst>
   <p:sldSz cy="6858000" cx="12192000"/>
   <p:notesSz cx="6858000" cy="9144000"/>
   <p:embeddedFontLst>
     <p:embeddedFont>
       <p:font typeface="Century Gothic"/>
-      <p:regular r:id="rId20"/>
-      <p:bold r:id="rId21"/>
-      <p:italic r:id="rId22"/>
-      <p:boldItalic r:id="rId23"/>
+      <p:regular r:id="rId21"/>
+      <p:bold r:id="rId22"/>
+      <p:italic r:id="rId23"/>
+      <p:boldItalic r:id="rId24"/>
     </p:embeddedFont>
   </p:embeddedFontLst>
   <p:defaultTextStyle>
@@ -265,7 +266,7 @@
   </p:defaultTextStyle>
   <p:extLst>
     <p:ext uri="http://customooxmlschemas.google.com/">
-      <go:slidesCustomData xmlns:go="http://customooxmlschemas.google.com/" r:id="rId24" roundtripDataSignature="AMtx7mg08c+AAQsS5BzQQ5TskdJdPPKhnQ=="/>
+      <go:slidesCustomData xmlns:go="http://customooxmlschemas.google.com/" r:id="rId25" roundtripDataSignature="AMtx7mh+3BzPDKFqecnVCsl7AG4+qq55hw=="/>
     </p:ext>
   </p:extLst>
 </p:presentation>
@@ -801,7 +802,7 @@
   <p:cSld>
     <p:spTree>
       <p:nvGrpSpPr>
-        <p:cNvPr id="242" name="Shape 242"/>
+        <p:cNvPr id="245" name="Shape 245"/>
         <p:cNvGrpSpPr/>
         <p:nvPr/>
       </p:nvGrpSpPr>
@@ -815,7 +816,7 @@
       </p:grpSpPr>
       <p:sp>
         <p:nvSpPr>
-          <p:cNvPr id="243" name="Google Shape;243;g8ecf36d074_0_51:notes"/>
+          <p:cNvPr id="246" name="Google Shape;246;g8ecf36d074_0_46:notes"/>
           <p:cNvSpPr/>
           <p:nvPr>
             <p:ph idx="2" type="sldImg"/>
@@ -850,7 +851,7 @@
       </p:sp>
       <p:sp>
         <p:nvSpPr>
-          <p:cNvPr id="244" name="Google Shape;244;g8ecf36d074_0_51:notes"/>
+          <p:cNvPr id="247" name="Google Shape;247;g8ecf36d074_0_46:notes"/>
           <p:cNvSpPr txBox="1"/>
           <p:nvPr>
             <p:ph idx="1" type="body"/>
@@ -900,7 +901,7 @@
   <p:cSld>
     <p:spTree>
       <p:nvGrpSpPr>
-        <p:cNvPr id="248" name="Shape 248"/>
+        <p:cNvPr id="251" name="Shape 251"/>
         <p:cNvGrpSpPr/>
         <p:nvPr/>
       </p:nvGrpSpPr>
@@ -914,7 +915,7 @@
       </p:grpSpPr>
       <p:sp>
         <p:nvSpPr>
-          <p:cNvPr id="249" name="Google Shape;249;g8ecf36d074_0_56:notes"/>
+          <p:cNvPr id="252" name="Google Shape;252;g8ecf36d074_0_51:notes"/>
           <p:cNvSpPr/>
           <p:nvPr>
             <p:ph idx="2" type="sldImg"/>
@@ -949,7 +950,7 @@
       </p:sp>
       <p:sp>
         <p:nvSpPr>
-          <p:cNvPr id="250" name="Google Shape;250;g8ecf36d074_0_56:notes"/>
+          <p:cNvPr id="253" name="Google Shape;253;g8ecf36d074_0_51:notes"/>
           <p:cNvSpPr txBox="1"/>
           <p:nvPr>
             <p:ph idx="1" type="body"/>
@@ -999,7 +1000,7 @@
   <p:cSld>
     <p:spTree>
       <p:nvGrpSpPr>
-        <p:cNvPr id="262" name="Shape 262"/>
+        <p:cNvPr id="257" name="Shape 257"/>
         <p:cNvGrpSpPr/>
         <p:nvPr/>
       </p:nvGrpSpPr>
@@ -1013,7 +1014,42 @@
       </p:grpSpPr>
       <p:sp>
         <p:nvSpPr>
-          <p:cNvPr id="263" name="Google Shape;263;p7:notes"/>
+          <p:cNvPr id="258" name="Google Shape;258;g8ecf36d074_0_56:notes"/>
+          <p:cNvSpPr/>
+          <p:nvPr>
+            <p:ph idx="2" type="sldImg"/>
+          </p:nvPr>
+        </p:nvSpPr>
+        <p:spPr>
+          <a:xfrm>
+            <a:off x="1143225" y="685800"/>
+            <a:ext cx="4572300" cy="3429000"/>
+          </a:xfrm>
+          <a:custGeom>
+            <a:rect b="b" l="l" r="r" t="t"/>
+            <a:pathLst>
+              <a:path extrusionOk="0" h="120000" w="120000">
+                <a:moveTo>
+                  <a:pt x="0" y="0"/>
+                </a:moveTo>
+                <a:lnTo>
+                  <a:pt x="120000" y="0"/>
+                </a:lnTo>
+                <a:lnTo>
+                  <a:pt x="120000" y="120000"/>
+                </a:lnTo>
+                <a:lnTo>
+                  <a:pt x="0" y="120000"/>
+                </a:lnTo>
+                <a:close/>
+              </a:path>
+            </a:pathLst>
+          </a:custGeom>
+        </p:spPr>
+      </p:sp>
+      <p:sp>
+        <p:nvSpPr>
+          <p:cNvPr id="259" name="Google Shape;259;g8ecf36d074_0_56:notes"/>
           <p:cNvSpPr txBox="1"/>
           <p:nvPr>
             <p:ph idx="1" type="body"/>
@@ -1050,9 +1086,73 @@
           </a:p>
         </p:txBody>
       </p:sp>
+    </p:spTree>
+  </p:cSld>
+  <p:clrMapOvr>
+    <a:masterClrMapping/>
+  </p:clrMapOvr>
+</p:notes>
+</file>
+
+<file path=ppt/notesSlides/notesSlide13.xml><?xml version="1.0" encoding="utf-8"?>
+<p:notes xmlns:a="http://schemas.openxmlformats.org/drawingml/2006/main" xmlns:r="http://schemas.openxmlformats.org/officeDocument/2006/relationships" xmlns:mc="http://schemas.openxmlformats.org/markup-compatibility/2006" xmlns:mv="urn:schemas-microsoft-com:mac:vml" xmlns:p="http://schemas.openxmlformats.org/presentationml/2006/main" xmlns:c="http://schemas.openxmlformats.org/drawingml/2006/chart" xmlns:dgm="http://schemas.openxmlformats.org/drawingml/2006/diagram" xmlns:o="urn:schemas-microsoft-com:office:office" xmlns:v="urn:schemas-microsoft-com:vml" xmlns:pvml="urn:schemas-microsoft-com:office:powerpoint" xmlns:com="http://schemas.openxmlformats.org/drawingml/2006/compatibility" xmlns:p14="http://schemas.microsoft.com/office/powerpoint/2010/main" xmlns:p15="http://schemas.microsoft.com/office/powerpoint/2012/main" xmlns:ahyp="http://schemas.microsoft.com/office/drawing/2018/hyperlinkcolor" showMasterPhAnim="0" showMasterSp="0">
+  <p:cSld>
+    <p:spTree>
+      <p:nvGrpSpPr>
+        <p:cNvPr id="271" name="Shape 271"/>
+        <p:cNvGrpSpPr/>
+        <p:nvPr/>
+      </p:nvGrpSpPr>
+      <p:grpSpPr>
+        <a:xfrm>
+          <a:off x="0" y="0"/>
+          <a:ext cx="0" cy="0"/>
+          <a:chOff x="0" y="0"/>
+          <a:chExt cx="0" cy="0"/>
+        </a:xfrm>
+      </p:grpSpPr>
       <p:sp>
         <p:nvSpPr>
-          <p:cNvPr id="264" name="Google Shape;264;p7:notes"/>
+          <p:cNvPr id="272" name="Google Shape;272;p7:notes"/>
+          <p:cNvSpPr txBox="1"/>
+          <p:nvPr>
+            <p:ph idx="1" type="body"/>
+          </p:nvPr>
+        </p:nvSpPr>
+        <p:spPr>
+          <a:xfrm>
+            <a:off x="685800" y="4343400"/>
+            <a:ext cx="5486400" cy="4114800"/>
+          </a:xfrm>
+          <a:prstGeom prst="rect">
+            <a:avLst/>
+          </a:prstGeom>
+        </p:spPr>
+        <p:txBody>
+          <a:bodyPr anchorCtr="0" anchor="t" bIns="91425" lIns="91425" spcFirstLastPara="1" rIns="91425" wrap="square" tIns="91425">
+            <a:noAutofit/>
+          </a:bodyPr>
+          <a:lstStyle/>
+          <a:p>
+            <a:pPr indent="0" lvl="0" marL="0" rtl="0" algn="l">
+              <a:spcBef>
+                <a:spcPts val="0"/>
+              </a:spcBef>
+              <a:spcAft>
+                <a:spcPts val="0"/>
+              </a:spcAft>
+              <a:buNone/>
+            </a:pPr>
+            <a:r>
+              <a:t/>
+            </a:r>
+            <a:endParaRPr/>
+          </a:p>
+        </p:txBody>
+      </p:sp>
+      <p:sp>
+        <p:nvSpPr>
+          <p:cNvPr id="273" name="Google Shape;273;p7:notes"/>
           <p:cNvSpPr/>
           <p:nvPr>
             <p:ph idx="2" type="sldImg"/>
@@ -1093,12 +1193,12 @@
 </p:notes>
 </file>
 
-<file path=ppt/notesSlides/notesSlide13.xml><?xml version="1.0" encoding="utf-8"?>
+<file path=ppt/notesSlides/notesSlide14.xml><?xml version="1.0" encoding="utf-8"?>
 <p:notes xmlns:a="http://schemas.openxmlformats.org/drawingml/2006/main" xmlns:r="http://schemas.openxmlformats.org/officeDocument/2006/relationships" xmlns:mc="http://schemas.openxmlformats.org/markup-compatibility/2006" xmlns:mv="urn:schemas-microsoft-com:mac:vml" xmlns:p="http://schemas.openxmlformats.org/presentationml/2006/main" xmlns:c="http://schemas.openxmlformats.org/drawingml/2006/chart" xmlns:dgm="http://schemas.openxmlformats.org/drawingml/2006/diagram" xmlns:o="urn:schemas-microsoft-com:office:office" xmlns:v="urn:schemas-microsoft-com:vml" xmlns:pvml="urn:schemas-microsoft-com:office:powerpoint" xmlns:com="http://schemas.openxmlformats.org/drawingml/2006/compatibility" xmlns:p14="http://schemas.microsoft.com/office/powerpoint/2010/main" xmlns:p15="http://schemas.microsoft.com/office/powerpoint/2012/main" xmlns:ahyp="http://schemas.microsoft.com/office/drawing/2018/hyperlinkcolor" showMasterPhAnim="0" showMasterSp="0">
   <p:cSld>
     <p:spTree>
       <p:nvGrpSpPr>
-        <p:cNvPr id="268" name="Shape 268"/>
+        <p:cNvPr id="277" name="Shape 277"/>
         <p:cNvGrpSpPr/>
         <p:nvPr/>
       </p:nvGrpSpPr>
@@ -1112,7 +1212,7 @@
       </p:grpSpPr>
       <p:sp>
         <p:nvSpPr>
-          <p:cNvPr id="269" name="Google Shape;269;p8:notes"/>
+          <p:cNvPr id="278" name="Google Shape;278;p8:notes"/>
           <p:cNvSpPr txBox="1"/>
           <p:nvPr>
             <p:ph idx="1" type="body"/>
@@ -1151,7 +1251,7 @@
       </p:sp>
       <p:sp>
         <p:nvSpPr>
-          <p:cNvPr id="270" name="Google Shape;270;p8:notes"/>
+          <p:cNvPr id="279" name="Google Shape;279;p8:notes"/>
           <p:cNvSpPr/>
           <p:nvPr>
             <p:ph idx="2" type="sldImg"/>
@@ -1805,7 +1905,7 @@
       </p:grpSpPr>
       <p:sp>
         <p:nvSpPr>
-          <p:cNvPr id="217" name="Google Shape;217;g8ecf36d074_0_24:notes"/>
+          <p:cNvPr id="217" name="Google Shape;217;ga78dc7ea03_1_0:notes"/>
           <p:cNvSpPr/>
           <p:nvPr>
             <p:ph idx="2" type="sldImg"/>
@@ -1840,7 +1940,7 @@
       </p:sp>
       <p:sp>
         <p:nvSpPr>
-          <p:cNvPr id="218" name="Google Shape;218;g8ecf36d074_0_24:notes"/>
+          <p:cNvPr id="218" name="Google Shape;218;ga78dc7ea03_1_0:notes"/>
           <p:cNvSpPr txBox="1"/>
           <p:nvPr>
             <p:ph idx="1" type="body"/>
@@ -1890,7 +1990,7 @@
   <p:cSld>
     <p:spTree>
       <p:nvGrpSpPr>
-        <p:cNvPr id="236" name="Shape 236"/>
+        <p:cNvPr id="225" name="Shape 225"/>
         <p:cNvGrpSpPr/>
         <p:nvPr/>
       </p:nvGrpSpPr>
@@ -1904,7 +2004,7 @@
       </p:grpSpPr>
       <p:sp>
         <p:nvSpPr>
-          <p:cNvPr id="237" name="Google Shape;237;g8ecf36d074_0_46:notes"/>
+          <p:cNvPr id="226" name="Google Shape;226;g8ecf36d074_0_24:notes"/>
           <p:cNvSpPr/>
           <p:nvPr>
             <p:ph idx="2" type="sldImg"/>
@@ -1939,7 +2039,7 @@
       </p:sp>
       <p:sp>
         <p:nvSpPr>
-          <p:cNvPr id="238" name="Google Shape;238;g8ecf36d074_0_46:notes"/>
+          <p:cNvPr id="227" name="Google Shape;227;g8ecf36d074_0_24:notes"/>
           <p:cNvSpPr txBox="1"/>
           <p:nvPr>
             <p:ph idx="1" type="body"/>
@@ -20943,7 +21043,7 @@
   <p:cSld>
     <p:spTree>
       <p:nvGrpSpPr>
-        <p:cNvPr id="245" name="Shape 245"/>
+        <p:cNvPr id="248" name="Shape 248"/>
         <p:cNvGrpSpPr/>
         <p:nvPr/>
       </p:nvGrpSpPr>
@@ -20957,7 +21057,7 @@
       </p:grpSpPr>
       <p:sp>
         <p:nvSpPr>
-          <p:cNvPr id="246" name="Google Shape;246;g8ecf36d074_0_51"/>
+          <p:cNvPr id="249" name="Google Shape;249;g8ecf36d074_0_46"/>
           <p:cNvSpPr txBox="1"/>
           <p:nvPr>
             <p:ph type="title"/>
@@ -20997,7 +21097,7 @@
       </p:sp>
       <p:sp>
         <p:nvSpPr>
-          <p:cNvPr id="247" name="Google Shape;247;g8ecf36d074_0_51"/>
+          <p:cNvPr id="250" name="Google Shape;250;g8ecf36d074_0_46"/>
           <p:cNvSpPr txBox="1"/>
           <p:nvPr>
             <p:ph idx="1" type="body"/>
@@ -21029,6 +21129,249 @@
             </a:pPr>
             <a:r>
               <a:rPr lang="en-IN"/>
+              <a:t>DBA</a:t>
+            </a:r>
+            <a:endParaRPr/>
+          </a:p>
+          <a:p>
+            <a:pPr indent="-342900" lvl="0" marL="457200" rtl="0" algn="l">
+              <a:spcBef>
+                <a:spcPts val="1000"/>
+              </a:spcBef>
+              <a:spcAft>
+                <a:spcPts val="0"/>
+              </a:spcAft>
+              <a:buSzPts val="1800"/>
+              <a:buChar char="•"/>
+            </a:pPr>
+            <a:r>
+              <a:rPr lang="en-IN"/>
+              <a:t>Design DB </a:t>
+            </a:r>
+            <a:r>
+              <a:rPr lang="en-IN"/>
+              <a:t>structure</a:t>
+            </a:r>
+            <a:r>
+              <a:rPr lang="en-IN"/>
+              <a:t> based on the functionality</a:t>
+            </a:r>
+            <a:endParaRPr/>
+          </a:p>
+          <a:p>
+            <a:pPr indent="-342900" lvl="0" marL="457200" rtl="0" algn="l">
+              <a:spcBef>
+                <a:spcPts val="0"/>
+              </a:spcBef>
+              <a:spcAft>
+                <a:spcPts val="0"/>
+              </a:spcAft>
+              <a:buSzPts val="1800"/>
+              <a:buChar char="•"/>
+            </a:pPr>
+            <a:r>
+              <a:rPr lang="en-IN"/>
+              <a:t>Create the db structure and upload to development branch</a:t>
+            </a:r>
+            <a:endParaRPr/>
+          </a:p>
+          <a:p>
+            <a:pPr indent="-342900" lvl="0" marL="457200" rtl="0" algn="l">
+              <a:spcBef>
+                <a:spcPts val="0"/>
+              </a:spcBef>
+              <a:spcAft>
+                <a:spcPts val="0"/>
+              </a:spcAft>
+              <a:buSzPts val="1800"/>
+              <a:buChar char="•"/>
+            </a:pPr>
+            <a:r>
+              <a:rPr lang="en-IN"/>
+              <a:t>Create migration script to transfer data from old db to new db in QA and Prod</a:t>
+            </a:r>
+            <a:endParaRPr/>
+          </a:p>
+          <a:p>
+            <a:pPr indent="0" lvl="0" marL="0" rtl="0" algn="l">
+              <a:spcBef>
+                <a:spcPts val="1000"/>
+              </a:spcBef>
+              <a:spcAft>
+                <a:spcPts val="0"/>
+              </a:spcAft>
+              <a:buNone/>
+            </a:pPr>
+            <a:r>
+              <a:rPr lang="en-IN"/>
+              <a:t>Release Manager</a:t>
+            </a:r>
+            <a:endParaRPr/>
+          </a:p>
+          <a:p>
+            <a:pPr indent="-342900" lvl="0" marL="457200" rtl="0" algn="l">
+              <a:spcBef>
+                <a:spcPts val="1000"/>
+              </a:spcBef>
+              <a:spcAft>
+                <a:spcPts val="0"/>
+              </a:spcAft>
+              <a:buSzPts val="1800"/>
+              <a:buChar char="•"/>
+            </a:pPr>
+            <a:r>
+              <a:rPr lang="en-IN"/>
+              <a:t>Merge code base from Development Branch to QA and Production Branch</a:t>
+            </a:r>
+            <a:endParaRPr/>
+          </a:p>
+          <a:p>
+            <a:pPr indent="-342900" lvl="0" marL="457200" rtl="0" algn="l">
+              <a:spcBef>
+                <a:spcPts val="0"/>
+              </a:spcBef>
+              <a:spcAft>
+                <a:spcPts val="0"/>
+              </a:spcAft>
+              <a:buSzPts val="1800"/>
+              <a:buChar char="•"/>
+            </a:pPr>
+            <a:r>
+              <a:rPr lang="en-IN"/>
+              <a:t>Lock the db files changes in Production to avoid accidental </a:t>
+            </a:r>
+            <a:r>
+              <a:rPr lang="en-IN"/>
+              <a:t>overwriting</a:t>
+            </a:r>
+            <a:endParaRPr/>
+          </a:p>
+          <a:p>
+            <a:pPr indent="-342900" lvl="0" marL="457200" rtl="0" algn="l">
+              <a:spcBef>
+                <a:spcPts val="0"/>
+              </a:spcBef>
+              <a:spcAft>
+                <a:spcPts val="0"/>
+              </a:spcAft>
+              <a:buSzPts val="1800"/>
+              <a:buChar char="•"/>
+            </a:pPr>
+            <a:r>
+              <a:rPr lang="en-IN"/>
+              <a:t>Create script to backup </a:t>
+            </a:r>
+            <a:r>
+              <a:rPr lang="en-IN"/>
+              <a:t>production</a:t>
+            </a:r>
+            <a:r>
+              <a:rPr lang="en-IN"/>
+              <a:t> data files periodically.</a:t>
+            </a:r>
+            <a:endParaRPr/>
+          </a:p>
+        </p:txBody>
+      </p:sp>
+    </p:spTree>
+  </p:cSld>
+  <p:clrMapOvr>
+    <a:masterClrMapping/>
+  </p:clrMapOvr>
+</p:sld>
+</file>
+
+<file path=ppt/slides/slide11.xml><?xml version="1.0" encoding="utf-8"?>
+<p:sld xmlns:a="http://schemas.openxmlformats.org/drawingml/2006/main" xmlns:r="http://schemas.openxmlformats.org/officeDocument/2006/relationships" xmlns:mc="http://schemas.openxmlformats.org/markup-compatibility/2006" xmlns:mv="urn:schemas-microsoft-com:mac:vml" xmlns:p="http://schemas.openxmlformats.org/presentationml/2006/main" xmlns:c="http://schemas.openxmlformats.org/drawingml/2006/chart" xmlns:dgm="http://schemas.openxmlformats.org/drawingml/2006/diagram" xmlns:o="urn:schemas-microsoft-com:office:office" xmlns:v="urn:schemas-microsoft-com:vml" xmlns:pvml="urn:schemas-microsoft-com:office:powerpoint" xmlns:com="http://schemas.openxmlformats.org/drawingml/2006/compatibility" xmlns:p14="http://schemas.microsoft.com/office/powerpoint/2010/main" xmlns:p15="http://schemas.microsoft.com/office/powerpoint/2012/main" xmlns:ahyp="http://schemas.microsoft.com/office/drawing/2018/hyperlinkcolor">
+  <p:cSld>
+    <p:spTree>
+      <p:nvGrpSpPr>
+        <p:cNvPr id="254" name="Shape 254"/>
+        <p:cNvGrpSpPr/>
+        <p:nvPr/>
+      </p:nvGrpSpPr>
+      <p:grpSpPr>
+        <a:xfrm>
+          <a:off x="0" y="0"/>
+          <a:ext cx="0" cy="0"/>
+          <a:chOff x="0" y="0"/>
+          <a:chExt cx="0" cy="0"/>
+        </a:xfrm>
+      </p:grpSpPr>
+      <p:sp>
+        <p:nvSpPr>
+          <p:cNvPr id="255" name="Google Shape;255;g8ecf36d074_0_51"/>
+          <p:cNvSpPr txBox="1"/>
+          <p:nvPr>
+            <p:ph type="title"/>
+          </p:nvPr>
+        </p:nvSpPr>
+        <p:spPr>
+          <a:xfrm>
+            <a:off x="511625" y="132525"/>
+            <a:ext cx="10515600" cy="1325700"/>
+          </a:xfrm>
+          <a:prstGeom prst="rect">
+            <a:avLst/>
+          </a:prstGeom>
+        </p:spPr>
+        <p:txBody>
+          <a:bodyPr anchorCtr="0" anchor="ctr" bIns="45700" lIns="91425" spcFirstLastPara="1" rIns="91425" wrap="square" tIns="45700">
+            <a:noAutofit/>
+          </a:bodyPr>
+          <a:lstStyle/>
+          <a:p>
+            <a:pPr indent="0" lvl="0" marL="0" rtl="0" algn="l">
+              <a:spcBef>
+                <a:spcPts val="0"/>
+              </a:spcBef>
+              <a:spcAft>
+                <a:spcPts val="0"/>
+              </a:spcAft>
+              <a:buNone/>
+            </a:pPr>
+            <a:r>
+              <a:rPr lang="en-IN"/>
+              <a:t>Responsibilities</a:t>
+            </a:r>
+            <a:endParaRPr/>
+          </a:p>
+        </p:txBody>
+      </p:sp>
+      <p:sp>
+        <p:nvSpPr>
+          <p:cNvPr id="256" name="Google Shape;256;g8ecf36d074_0_51"/>
+          <p:cNvSpPr txBox="1"/>
+          <p:nvPr>
+            <p:ph idx="1" type="body"/>
+          </p:nvPr>
+        </p:nvSpPr>
+        <p:spPr>
+          <a:xfrm>
+            <a:off x="838200" y="1458225"/>
+            <a:ext cx="10515600" cy="4351200"/>
+          </a:xfrm>
+          <a:prstGeom prst="rect">
+            <a:avLst/>
+          </a:prstGeom>
+        </p:spPr>
+        <p:txBody>
+          <a:bodyPr anchorCtr="0" anchor="t" bIns="45700" lIns="91425" spcFirstLastPara="1" rIns="91425" wrap="square" tIns="45700">
+            <a:noAutofit/>
+          </a:bodyPr>
+          <a:lstStyle/>
+          <a:p>
+            <a:pPr indent="0" lvl="0" marL="0" rtl="0" algn="l">
+              <a:spcBef>
+                <a:spcPts val="1000"/>
+              </a:spcBef>
+              <a:spcAft>
+                <a:spcPts val="0"/>
+              </a:spcAft>
+              <a:buNone/>
+            </a:pPr>
+            <a:r>
+              <a:rPr lang="en-IN"/>
               <a:t>Developers</a:t>
             </a:r>
             <a:endParaRPr/>
@@ -21144,12 +21487,12 @@
 </p:sld>
 </file>
 
-<file path=ppt/slides/slide11.xml><?xml version="1.0" encoding="utf-8"?>
+<file path=ppt/slides/slide12.xml><?xml version="1.0" encoding="utf-8"?>
 <p:sld xmlns:a="http://schemas.openxmlformats.org/drawingml/2006/main" xmlns:r="http://schemas.openxmlformats.org/officeDocument/2006/relationships" xmlns:mc="http://schemas.openxmlformats.org/markup-compatibility/2006" xmlns:mv="urn:schemas-microsoft-com:mac:vml" xmlns:p="http://schemas.openxmlformats.org/presentationml/2006/main" xmlns:c="http://schemas.openxmlformats.org/drawingml/2006/chart" xmlns:dgm="http://schemas.openxmlformats.org/drawingml/2006/diagram" xmlns:o="urn:schemas-microsoft-com:office:office" xmlns:v="urn:schemas-microsoft-com:vml" xmlns:pvml="urn:schemas-microsoft-com:office:powerpoint" xmlns:com="http://schemas.openxmlformats.org/drawingml/2006/compatibility" xmlns:p14="http://schemas.microsoft.com/office/powerpoint/2010/main" xmlns:p15="http://schemas.microsoft.com/office/powerpoint/2012/main" xmlns:ahyp="http://schemas.microsoft.com/office/drawing/2018/hyperlinkcolor">
   <p:cSld>
     <p:spTree>
       <p:nvGrpSpPr>
-        <p:cNvPr id="251" name="Shape 251"/>
+        <p:cNvPr id="260" name="Shape 260"/>
         <p:cNvGrpSpPr/>
         <p:nvPr/>
       </p:nvGrpSpPr>
@@ -21163,7 +21506,7 @@
       </p:grpSpPr>
       <p:sp>
         <p:nvSpPr>
-          <p:cNvPr id="252" name="Google Shape;252;g8ecf36d074_0_56"/>
+          <p:cNvPr id="261" name="Google Shape;261;g8ecf36d074_0_56"/>
           <p:cNvSpPr txBox="1"/>
           <p:nvPr>
             <p:ph type="title"/>
@@ -21207,7 +21550,7 @@
       </p:sp>
       <p:sp>
         <p:nvSpPr>
-          <p:cNvPr id="253" name="Google Shape;253;g8ecf36d074_0_56"/>
+          <p:cNvPr id="262" name="Google Shape;262;g8ecf36d074_0_56"/>
           <p:cNvSpPr/>
           <p:nvPr/>
         </p:nvSpPr>
@@ -21265,7 +21608,7 @@
       </p:sp>
       <p:sp>
         <p:nvSpPr>
-          <p:cNvPr id="254" name="Google Shape;254;g8ecf36d074_0_56"/>
+          <p:cNvPr id="263" name="Google Shape;263;g8ecf36d074_0_56"/>
           <p:cNvSpPr/>
           <p:nvPr/>
         </p:nvSpPr>
@@ -21323,7 +21666,7 @@
       </p:sp>
       <p:sp>
         <p:nvSpPr>
-          <p:cNvPr id="255" name="Google Shape;255;g8ecf36d074_0_56"/>
+          <p:cNvPr id="264" name="Google Shape;264;g8ecf36d074_0_56"/>
           <p:cNvSpPr txBox="1"/>
           <p:nvPr/>
         </p:nvSpPr>
@@ -21372,7 +21715,7 @@
       </p:sp>
       <p:sp>
         <p:nvSpPr>
-          <p:cNvPr id="256" name="Google Shape;256;g8ecf36d074_0_56"/>
+          <p:cNvPr id="265" name="Google Shape;265;g8ecf36d074_0_56"/>
           <p:cNvSpPr txBox="1"/>
           <p:nvPr/>
         </p:nvSpPr>
@@ -21502,7 +21845,7 @@
       </p:sp>
       <p:sp>
         <p:nvSpPr>
-          <p:cNvPr id="257" name="Google Shape;257;g8ecf36d074_0_56"/>
+          <p:cNvPr id="266" name="Google Shape;266;g8ecf36d074_0_56"/>
           <p:cNvSpPr txBox="1"/>
           <p:nvPr/>
         </p:nvSpPr>
@@ -21632,7 +21975,7 @@
       </p:sp>
       <p:cxnSp>
         <p:nvCxnSpPr>
-          <p:cNvPr id="258" name="Google Shape;258;g8ecf36d074_0_56"/>
+          <p:cNvPr id="267" name="Google Shape;267;g8ecf36d074_0_56"/>
           <p:cNvCxnSpPr/>
           <p:nvPr/>
         </p:nvCxnSpPr>
@@ -21658,7 +22001,7 @@
       </p:cxnSp>
       <p:sp>
         <p:nvSpPr>
-          <p:cNvPr id="259" name="Google Shape;259;g8ecf36d074_0_56"/>
+          <p:cNvPr id="268" name="Google Shape;268;g8ecf36d074_0_56"/>
           <p:cNvSpPr txBox="1"/>
           <p:nvPr/>
         </p:nvSpPr>
@@ -21777,7 +22120,7 @@
       </p:sp>
       <p:sp>
         <p:nvSpPr>
-          <p:cNvPr id="260" name="Google Shape;260;g8ecf36d074_0_56"/>
+          <p:cNvPr id="269" name="Google Shape;269;g8ecf36d074_0_56"/>
           <p:cNvSpPr txBox="1"/>
           <p:nvPr/>
         </p:nvSpPr>
@@ -21835,7 +22178,7 @@
       </p:sp>
       <p:sp>
         <p:nvSpPr>
-          <p:cNvPr id="261" name="Google Shape;261;g8ecf36d074_0_56"/>
+          <p:cNvPr id="270" name="Google Shape;270;g8ecf36d074_0_56"/>
           <p:cNvSpPr/>
           <p:nvPr/>
         </p:nvSpPr>
@@ -21895,12 +22238,12 @@
 </p:sld>
 </file>
 
-<file path=ppt/slides/slide12.xml><?xml version="1.0" encoding="utf-8"?>
+<file path=ppt/slides/slide13.xml><?xml version="1.0" encoding="utf-8"?>
 <p:sld xmlns:a="http://schemas.openxmlformats.org/drawingml/2006/main" xmlns:r="http://schemas.openxmlformats.org/officeDocument/2006/relationships" xmlns:mc="http://schemas.openxmlformats.org/markup-compatibility/2006" xmlns:mv="urn:schemas-microsoft-com:mac:vml" xmlns:p="http://schemas.openxmlformats.org/presentationml/2006/main" xmlns:c="http://schemas.openxmlformats.org/drawingml/2006/chart" xmlns:dgm="http://schemas.openxmlformats.org/drawingml/2006/diagram" xmlns:o="urn:schemas-microsoft-com:office:office" xmlns:v="urn:schemas-microsoft-com:vml" xmlns:pvml="urn:schemas-microsoft-com:office:powerpoint" xmlns:com="http://schemas.openxmlformats.org/drawingml/2006/compatibility" xmlns:p14="http://schemas.microsoft.com/office/powerpoint/2010/main" xmlns:p15="http://schemas.microsoft.com/office/powerpoint/2012/main" xmlns:ahyp="http://schemas.microsoft.com/office/drawing/2018/hyperlinkcolor">
   <p:cSld>
     <p:spTree>
       <p:nvGrpSpPr>
-        <p:cNvPr id="265" name="Shape 265"/>
+        <p:cNvPr id="274" name="Shape 274"/>
         <p:cNvGrpSpPr/>
         <p:nvPr/>
       </p:nvGrpSpPr>
@@ -21914,7 +22257,7 @@
       </p:grpSpPr>
       <p:sp>
         <p:nvSpPr>
-          <p:cNvPr id="266" name="Google Shape;266;p7"/>
+          <p:cNvPr id="275" name="Google Shape;275;p7"/>
           <p:cNvSpPr txBox="1"/>
           <p:nvPr>
             <p:ph type="title"/>
@@ -21982,7 +22325,7 @@
       </p:sp>
       <p:sp>
         <p:nvSpPr>
-          <p:cNvPr id="267" name="Google Shape;267;p7"/>
+          <p:cNvPr id="276" name="Google Shape;276;p7"/>
           <p:cNvSpPr txBox="1"/>
           <p:nvPr>
             <p:ph idx="1" type="body"/>
@@ -22208,12 +22551,12 @@
 </p:sld>
 </file>
 
-<file path=ppt/slides/slide13.xml><?xml version="1.0" encoding="utf-8"?>
+<file path=ppt/slides/slide14.xml><?xml version="1.0" encoding="utf-8"?>
 <p:sld xmlns:a="http://schemas.openxmlformats.org/drawingml/2006/main" xmlns:r="http://schemas.openxmlformats.org/officeDocument/2006/relationships" xmlns:mc="http://schemas.openxmlformats.org/markup-compatibility/2006" xmlns:mv="urn:schemas-microsoft-com:mac:vml" xmlns:p="http://schemas.openxmlformats.org/presentationml/2006/main" xmlns:c="http://schemas.openxmlformats.org/drawingml/2006/chart" xmlns:dgm="http://schemas.openxmlformats.org/drawingml/2006/diagram" xmlns:o="urn:schemas-microsoft-com:office:office" xmlns:v="urn:schemas-microsoft-com:vml" xmlns:pvml="urn:schemas-microsoft-com:office:powerpoint" xmlns:com="http://schemas.openxmlformats.org/drawingml/2006/compatibility" xmlns:p14="http://schemas.microsoft.com/office/powerpoint/2010/main" xmlns:p15="http://schemas.microsoft.com/office/powerpoint/2012/main" xmlns:ahyp="http://schemas.microsoft.com/office/drawing/2018/hyperlinkcolor">
   <p:cSld>
     <p:spTree>
       <p:nvGrpSpPr>
-        <p:cNvPr id="271" name="Shape 271"/>
+        <p:cNvPr id="280" name="Shape 280"/>
         <p:cNvGrpSpPr/>
         <p:nvPr/>
       </p:nvGrpSpPr>
@@ -22227,7 +22570,7 @@
       </p:grpSpPr>
       <p:sp>
         <p:nvSpPr>
-          <p:cNvPr id="272" name="Google Shape;272;p8"/>
+          <p:cNvPr id="281" name="Google Shape;281;p8"/>
           <p:cNvSpPr txBox="1"/>
           <p:nvPr>
             <p:ph type="title"/>
@@ -22295,7 +22638,7 @@
       </p:sp>
       <p:sp>
         <p:nvSpPr>
-          <p:cNvPr id="273" name="Google Shape;273;p8"/>
+          <p:cNvPr id="282" name="Google Shape;282;p8"/>
           <p:cNvSpPr txBox="1"/>
           <p:nvPr>
             <p:ph idx="1" type="body"/>
@@ -24277,7 +24620,7 @@
             <a:tbl>
               <a:tblPr bandRow="1" firstRow="1">
                 <a:noFill/>
-                <a:tableStyleId>{5BB98A11-7A98-4D7A-BC4C-847EAB5B52B2}</a:tableStyleId>
+                <a:tableStyleId>{A094DD23-75FA-456F-BFBA-C9CB324FB579}</a:tableStyleId>
               </a:tblPr>
               <a:tblGrid>
                 <a:gridCol w="4659750"/>
@@ -25538,7 +25881,652 @@
       </p:grpSpPr>
       <p:sp>
         <p:nvSpPr>
-          <p:cNvPr id="220" name="Google Shape;220;g8ecf36d074_0_24"/>
+          <p:cNvPr id="220" name="Google Shape;220;ga78dc7ea03_1_0"/>
+          <p:cNvSpPr txBox="1"/>
+          <p:nvPr>
+            <p:ph type="title"/>
+          </p:nvPr>
+        </p:nvSpPr>
+        <p:spPr>
+          <a:xfrm>
+            <a:off x="637300" y="0"/>
+            <a:ext cx="10515600" cy="1325700"/>
+          </a:xfrm>
+          <a:prstGeom prst="rect">
+            <a:avLst/>
+          </a:prstGeom>
+        </p:spPr>
+        <p:txBody>
+          <a:bodyPr anchorCtr="0" anchor="ctr" bIns="45700" lIns="91425" spcFirstLastPara="1" rIns="91425" wrap="square" tIns="45700">
+            <a:noAutofit/>
+          </a:bodyPr>
+          <a:lstStyle/>
+          <a:p>
+            <a:pPr indent="0" lvl="0" marL="0" rtl="0" algn="l">
+              <a:spcBef>
+                <a:spcPts val="0"/>
+              </a:spcBef>
+              <a:spcAft>
+                <a:spcPts val="0"/>
+              </a:spcAft>
+              <a:buNone/>
+            </a:pPr>
+            <a:r>
+              <a:rPr b="1" lang="en-IN" sz="3000">
+                <a:solidFill>
+                  <a:srgbClr val="FBB040"/>
+                </a:solidFill>
+                <a:latin typeface="Century Gothic"/>
+                <a:ea typeface="Century Gothic"/>
+                <a:cs typeface="Century Gothic"/>
+                <a:sym typeface="Century Gothic"/>
+              </a:rPr>
+              <a:t>Github Repository Structure</a:t>
+            </a:r>
+            <a:endParaRPr/>
+          </a:p>
+        </p:txBody>
+      </p:sp>
+      <p:sp>
+        <p:nvSpPr>
+          <p:cNvPr id="221" name="Google Shape;221;ga78dc7ea03_1_0"/>
+          <p:cNvSpPr txBox="1"/>
+          <p:nvPr>
+            <p:ph idx="1" type="body"/>
+          </p:nvPr>
+        </p:nvSpPr>
+        <p:spPr>
+          <a:xfrm>
+            <a:off x="637300" y="1700975"/>
+            <a:ext cx="5550900" cy="4351200"/>
+          </a:xfrm>
+          <a:prstGeom prst="rect">
+            <a:avLst/>
+          </a:prstGeom>
+        </p:spPr>
+        <p:txBody>
+          <a:bodyPr anchorCtr="0" anchor="t" bIns="45700" lIns="91425" spcFirstLastPara="1" rIns="91425" wrap="square" tIns="45700">
+            <a:noAutofit/>
+          </a:bodyPr>
+          <a:lstStyle/>
+          <a:p>
+            <a:pPr indent="0" lvl="0" marL="0" rtl="0" algn="l">
+              <a:lnSpc>
+                <a:spcPct val="115000"/>
+              </a:lnSpc>
+              <a:spcBef>
+                <a:spcPts val="0"/>
+              </a:spcBef>
+              <a:spcAft>
+                <a:spcPts val="0"/>
+              </a:spcAft>
+              <a:buNone/>
+            </a:pPr>
+            <a:r>
+              <a:rPr lang="en-IN" sz="2400">
+                <a:latin typeface="Arial"/>
+                <a:ea typeface="Arial"/>
+                <a:cs typeface="Arial"/>
+                <a:sym typeface="Arial"/>
+              </a:rPr>
+              <a:t>•Creatingfutures</a:t>
+            </a:r>
+            <a:endParaRPr sz="2400">
+              <a:latin typeface="Arial"/>
+              <a:ea typeface="Arial"/>
+              <a:cs typeface="Arial"/>
+              <a:sym typeface="Arial"/>
+            </a:endParaRPr>
+          </a:p>
+          <a:p>
+            <a:pPr indent="0" lvl="0" marL="457200" rtl="0" algn="l">
+              <a:lnSpc>
+                <a:spcPct val="115000"/>
+              </a:lnSpc>
+              <a:spcBef>
+                <a:spcPts val="0"/>
+              </a:spcBef>
+              <a:spcAft>
+                <a:spcPts val="0"/>
+              </a:spcAft>
+              <a:buNone/>
+            </a:pPr>
+            <a:r>
+              <a:rPr lang="en-IN" sz="2400">
+                <a:latin typeface="Arial"/>
+                <a:ea typeface="Arial"/>
+                <a:cs typeface="Arial"/>
+                <a:sym typeface="Arial"/>
+              </a:rPr>
+              <a:t>•ElixirWebApp</a:t>
+            </a:r>
+            <a:endParaRPr sz="2400">
+              <a:latin typeface="Arial"/>
+              <a:ea typeface="Arial"/>
+              <a:cs typeface="Arial"/>
+              <a:sym typeface="Arial"/>
+            </a:endParaRPr>
+          </a:p>
+          <a:p>
+            <a:pPr indent="0" lvl="0" marL="914400" rtl="0" algn="l">
+              <a:lnSpc>
+                <a:spcPct val="115000"/>
+              </a:lnSpc>
+              <a:spcBef>
+                <a:spcPts val="0"/>
+              </a:spcBef>
+              <a:spcAft>
+                <a:spcPts val="0"/>
+              </a:spcAft>
+              <a:buNone/>
+            </a:pPr>
+            <a:r>
+              <a:rPr lang="en-IN" sz="2400">
+                <a:latin typeface="Arial"/>
+                <a:ea typeface="Arial"/>
+                <a:cs typeface="Arial"/>
+                <a:sym typeface="Arial"/>
+              </a:rPr>
+              <a:t>•User_admin</a:t>
+            </a:r>
+            <a:endParaRPr sz="2400">
+              <a:latin typeface="Arial"/>
+              <a:ea typeface="Arial"/>
+              <a:cs typeface="Arial"/>
+              <a:sym typeface="Arial"/>
+            </a:endParaRPr>
+          </a:p>
+          <a:p>
+            <a:pPr indent="0" lvl="0" marL="914400" rtl="0" algn="l">
+              <a:lnSpc>
+                <a:spcPct val="115000"/>
+              </a:lnSpc>
+              <a:spcBef>
+                <a:spcPts val="0"/>
+              </a:spcBef>
+              <a:spcAft>
+                <a:spcPts val="0"/>
+              </a:spcAft>
+              <a:buNone/>
+            </a:pPr>
+            <a:r>
+              <a:rPr lang="en-IN" sz="2400">
+                <a:latin typeface="Arial"/>
+                <a:ea typeface="Arial"/>
+                <a:cs typeface="Arial"/>
+                <a:sym typeface="Arial"/>
+              </a:rPr>
+              <a:t>•User_student</a:t>
+            </a:r>
+            <a:endParaRPr sz="2400">
+              <a:latin typeface="Arial"/>
+              <a:ea typeface="Arial"/>
+              <a:cs typeface="Arial"/>
+              <a:sym typeface="Arial"/>
+            </a:endParaRPr>
+          </a:p>
+          <a:p>
+            <a:pPr indent="0" lvl="0" marL="914400" rtl="0" algn="l">
+              <a:lnSpc>
+                <a:spcPct val="115000"/>
+              </a:lnSpc>
+              <a:spcBef>
+                <a:spcPts val="0"/>
+              </a:spcBef>
+              <a:spcAft>
+                <a:spcPts val="0"/>
+              </a:spcAft>
+              <a:buNone/>
+            </a:pPr>
+            <a:r>
+              <a:rPr lang="en-IN" sz="2400">
+                <a:latin typeface="Arial"/>
+                <a:ea typeface="Arial"/>
+                <a:cs typeface="Arial"/>
+                <a:sym typeface="Arial"/>
+              </a:rPr>
+              <a:t>•</a:t>
+            </a:r>
+            <a:r>
+              <a:rPr lang="en-IN" sz="2400">
+                <a:solidFill>
+                  <a:srgbClr val="92D050"/>
+                </a:solidFill>
+                <a:latin typeface="Arial"/>
+                <a:ea typeface="Arial"/>
+                <a:cs typeface="Arial"/>
+                <a:sym typeface="Arial"/>
+              </a:rPr>
+              <a:t>DB</a:t>
+            </a:r>
+            <a:endParaRPr sz="2400">
+              <a:solidFill>
+                <a:srgbClr val="92D050"/>
+              </a:solidFill>
+              <a:latin typeface="Arial"/>
+              <a:ea typeface="Arial"/>
+              <a:cs typeface="Arial"/>
+              <a:sym typeface="Arial"/>
+            </a:endParaRPr>
+          </a:p>
+          <a:p>
+            <a:pPr indent="0" lvl="0" marL="914400" rtl="0" algn="l">
+              <a:lnSpc>
+                <a:spcPct val="115000"/>
+              </a:lnSpc>
+              <a:spcBef>
+                <a:spcPts val="0"/>
+              </a:spcBef>
+              <a:spcAft>
+                <a:spcPts val="0"/>
+              </a:spcAft>
+              <a:buNone/>
+            </a:pPr>
+            <a:r>
+              <a:rPr lang="en-IN" sz="2400">
+                <a:latin typeface="Arial"/>
+                <a:ea typeface="Arial"/>
+                <a:cs typeface="Arial"/>
+                <a:sym typeface="Arial"/>
+              </a:rPr>
+              <a:t>•Creating_futures</a:t>
+            </a:r>
+            <a:endParaRPr sz="2400">
+              <a:latin typeface="Arial"/>
+              <a:ea typeface="Arial"/>
+              <a:cs typeface="Arial"/>
+              <a:sym typeface="Arial"/>
+            </a:endParaRPr>
+          </a:p>
+          <a:p>
+            <a:pPr indent="0" lvl="0" marL="914400" rtl="0" algn="l">
+              <a:lnSpc>
+                <a:spcPct val="115000"/>
+              </a:lnSpc>
+              <a:spcBef>
+                <a:spcPts val="0"/>
+              </a:spcBef>
+              <a:spcAft>
+                <a:spcPts val="0"/>
+              </a:spcAft>
+              <a:buNone/>
+            </a:pPr>
+            <a:r>
+              <a:rPr lang="en-IN" sz="2400">
+                <a:latin typeface="Arial"/>
+                <a:ea typeface="Arial"/>
+                <a:cs typeface="Arial"/>
+                <a:sym typeface="Arial"/>
+              </a:rPr>
+              <a:t>•Static</a:t>
+            </a:r>
+            <a:endParaRPr sz="2400">
+              <a:latin typeface="Arial"/>
+              <a:ea typeface="Arial"/>
+              <a:cs typeface="Arial"/>
+              <a:sym typeface="Arial"/>
+            </a:endParaRPr>
+          </a:p>
+          <a:p>
+            <a:pPr indent="0" lvl="0" marL="1371600" rtl="0" algn="l">
+              <a:lnSpc>
+                <a:spcPct val="115000"/>
+              </a:lnSpc>
+              <a:spcBef>
+                <a:spcPts val="0"/>
+              </a:spcBef>
+              <a:spcAft>
+                <a:spcPts val="0"/>
+              </a:spcAft>
+              <a:buNone/>
+            </a:pPr>
+            <a:r>
+              <a:rPr lang="en-IN" sz="2400">
+                <a:latin typeface="Arial"/>
+                <a:ea typeface="Arial"/>
+                <a:cs typeface="Arial"/>
+                <a:sym typeface="Arial"/>
+              </a:rPr>
+              <a:t>•</a:t>
+            </a:r>
+            <a:r>
+              <a:rPr lang="en-IN" sz="2400">
+                <a:solidFill>
+                  <a:srgbClr val="92D050"/>
+                </a:solidFill>
+                <a:latin typeface="Arial"/>
+                <a:ea typeface="Arial"/>
+                <a:cs typeface="Arial"/>
+                <a:sym typeface="Arial"/>
+              </a:rPr>
+              <a:t>Scripts</a:t>
+            </a:r>
+            <a:endParaRPr sz="2400">
+              <a:solidFill>
+                <a:srgbClr val="92D050"/>
+              </a:solidFill>
+              <a:latin typeface="Arial"/>
+              <a:ea typeface="Arial"/>
+              <a:cs typeface="Arial"/>
+              <a:sym typeface="Arial"/>
+            </a:endParaRPr>
+          </a:p>
+          <a:p>
+            <a:pPr indent="0" lvl="0" marL="457200" rtl="0" algn="l">
+              <a:lnSpc>
+                <a:spcPct val="115000"/>
+              </a:lnSpc>
+              <a:spcBef>
+                <a:spcPts val="0"/>
+              </a:spcBef>
+              <a:spcAft>
+                <a:spcPts val="0"/>
+              </a:spcAft>
+              <a:buNone/>
+            </a:pPr>
+            <a:r>
+              <a:rPr lang="en-IN" sz="2400">
+                <a:latin typeface="Arial"/>
+                <a:ea typeface="Arial"/>
+                <a:cs typeface="Arial"/>
+                <a:sym typeface="Arial"/>
+              </a:rPr>
+              <a:t>•Media</a:t>
+            </a:r>
+            <a:endParaRPr sz="2400">
+              <a:latin typeface="Arial"/>
+              <a:ea typeface="Arial"/>
+              <a:cs typeface="Arial"/>
+              <a:sym typeface="Arial"/>
+            </a:endParaRPr>
+          </a:p>
+          <a:p>
+            <a:pPr indent="0" lvl="0" marL="0" rtl="0" algn="l">
+              <a:lnSpc>
+                <a:spcPct val="115000"/>
+              </a:lnSpc>
+              <a:spcBef>
+                <a:spcPts val="0"/>
+              </a:spcBef>
+              <a:spcAft>
+                <a:spcPts val="0"/>
+              </a:spcAft>
+              <a:buNone/>
+            </a:pPr>
+            <a:r>
+              <a:rPr lang="en-IN" sz="2400">
+                <a:latin typeface="Arial"/>
+                <a:ea typeface="Arial"/>
+                <a:cs typeface="Arial"/>
+                <a:sym typeface="Arial"/>
+              </a:rPr>
+              <a:t>•ElixirMobileApp</a:t>
+            </a:r>
+            <a:endParaRPr sz="2400">
+              <a:latin typeface="Arial"/>
+              <a:ea typeface="Arial"/>
+              <a:cs typeface="Arial"/>
+              <a:sym typeface="Arial"/>
+            </a:endParaRPr>
+          </a:p>
+          <a:p>
+            <a:pPr indent="0" lvl="0" marL="0" rtl="0" algn="l">
+              <a:spcBef>
+                <a:spcPts val="1000"/>
+              </a:spcBef>
+              <a:spcAft>
+                <a:spcPts val="0"/>
+              </a:spcAft>
+              <a:buNone/>
+            </a:pPr>
+            <a:r>
+              <a:t/>
+            </a:r>
+            <a:endParaRPr sz="2400"/>
+          </a:p>
+        </p:txBody>
+      </p:sp>
+      <p:sp>
+        <p:nvSpPr>
+          <p:cNvPr id="222" name="Google Shape;222;ga78dc7ea03_1_0"/>
+          <p:cNvSpPr txBox="1"/>
+          <p:nvPr/>
+        </p:nvSpPr>
+        <p:spPr>
+          <a:xfrm>
+            <a:off x="376600" y="1071575"/>
+            <a:ext cx="11037000" cy="629400"/>
+          </a:xfrm>
+          <a:prstGeom prst="rect">
+            <a:avLst/>
+          </a:prstGeom>
+          <a:noFill/>
+          <a:ln>
+            <a:noFill/>
+          </a:ln>
+        </p:spPr>
+        <p:txBody>
+          <a:bodyPr anchorCtr="0" anchor="t" bIns="91425" lIns="91425" spcFirstLastPara="1" rIns="91425" wrap="square" tIns="91425">
+            <a:noAutofit/>
+          </a:bodyPr>
+          <a:lstStyle/>
+          <a:p>
+            <a:pPr indent="0" lvl="0" marL="0" rtl="0" algn="l">
+              <a:lnSpc>
+                <a:spcPct val="115000"/>
+              </a:lnSpc>
+              <a:spcBef>
+                <a:spcPts val="0"/>
+              </a:spcBef>
+              <a:spcAft>
+                <a:spcPts val="0"/>
+              </a:spcAft>
+              <a:buNone/>
+            </a:pPr>
+            <a:r>
+              <a:rPr lang="en-IN" sz="2400" u="sng">
+                <a:solidFill>
+                  <a:schemeClr val="hlink"/>
+                </a:solidFill>
+                <a:hlinkClick r:id="rId3"/>
+              </a:rPr>
+              <a:t>https://github.com/creatingfutures/ElixirWebApp</a:t>
+            </a:r>
+            <a:endParaRPr sz="2400" u="sng">
+              <a:solidFill>
+                <a:schemeClr val="hlink"/>
+              </a:solidFill>
+            </a:endParaRPr>
+          </a:p>
+        </p:txBody>
+      </p:sp>
+      <p:sp>
+        <p:nvSpPr>
+          <p:cNvPr id="223" name="Google Shape;223;ga78dc7ea03_1_0"/>
+          <p:cNvSpPr txBox="1"/>
+          <p:nvPr/>
+        </p:nvSpPr>
+        <p:spPr>
+          <a:xfrm>
+            <a:off x="5331025" y="1794875"/>
+            <a:ext cx="6737400" cy="2250300"/>
+          </a:xfrm>
+          <a:prstGeom prst="rect">
+            <a:avLst/>
+          </a:prstGeom>
+          <a:noFill/>
+          <a:ln>
+            <a:noFill/>
+          </a:ln>
+        </p:spPr>
+        <p:txBody>
+          <a:bodyPr anchorCtr="0" anchor="t" bIns="91425" lIns="91425" spcFirstLastPara="1" rIns="91425" wrap="square" tIns="91425">
+            <a:noAutofit/>
+          </a:bodyPr>
+          <a:lstStyle/>
+          <a:p>
+            <a:pPr indent="0" lvl="0" marL="0" rtl="0" algn="l">
+              <a:lnSpc>
+                <a:spcPct val="115000"/>
+              </a:lnSpc>
+              <a:spcBef>
+                <a:spcPts val="0"/>
+              </a:spcBef>
+              <a:spcAft>
+                <a:spcPts val="0"/>
+              </a:spcAft>
+              <a:buNone/>
+            </a:pPr>
+            <a:r>
+              <a:rPr lang="en-IN" sz="2400">
+                <a:solidFill>
+                  <a:schemeClr val="dk1"/>
+                </a:solidFill>
+              </a:rPr>
+              <a:t>•Create release - Current release </a:t>
+            </a:r>
+            <a:r>
+              <a:rPr b="1" lang="en-IN" sz="2400">
+                <a:solidFill>
+                  <a:schemeClr val="dk1"/>
+                </a:solidFill>
+              </a:rPr>
+              <a:t>– 0.8 - DONE</a:t>
+            </a:r>
+            <a:endParaRPr b="1" sz="2400">
+              <a:solidFill>
+                <a:schemeClr val="dk1"/>
+              </a:solidFill>
+            </a:endParaRPr>
+          </a:p>
+          <a:p>
+            <a:pPr indent="0" lvl="0" marL="0" rtl="0" algn="l">
+              <a:lnSpc>
+                <a:spcPct val="115000"/>
+              </a:lnSpc>
+              <a:spcBef>
+                <a:spcPts val="0"/>
+              </a:spcBef>
+              <a:spcAft>
+                <a:spcPts val="0"/>
+              </a:spcAft>
+              <a:buNone/>
+            </a:pPr>
+            <a:r>
+              <a:rPr lang="en-IN" sz="2400">
+                <a:solidFill>
+                  <a:schemeClr val="dk1"/>
+                </a:solidFill>
+              </a:rPr>
+              <a:t>•Then once the folders are created, we create release </a:t>
+            </a:r>
+            <a:r>
+              <a:rPr b="1" lang="en-IN" sz="2400">
+                <a:solidFill>
+                  <a:schemeClr val="dk1"/>
+                </a:solidFill>
+              </a:rPr>
+              <a:t>1.0 - WIP</a:t>
+            </a:r>
+            <a:endParaRPr b="1" sz="2400">
+              <a:solidFill>
+                <a:schemeClr val="dk1"/>
+              </a:solidFill>
+            </a:endParaRPr>
+          </a:p>
+          <a:p>
+            <a:pPr indent="0" lvl="0" marL="0" rtl="0" algn="l">
+              <a:lnSpc>
+                <a:spcPct val="115000"/>
+              </a:lnSpc>
+              <a:spcBef>
+                <a:spcPts val="0"/>
+              </a:spcBef>
+              <a:spcAft>
+                <a:spcPts val="0"/>
+              </a:spcAft>
+              <a:buNone/>
+            </a:pPr>
+            <a:r>
+              <a:rPr lang="en-IN" sz="2400">
+                <a:solidFill>
+                  <a:schemeClr val="dk1"/>
+                </a:solidFill>
+              </a:rPr>
+              <a:t>•The new DB and new changes will be in release </a:t>
+            </a:r>
+            <a:r>
+              <a:rPr b="1" lang="en-IN" sz="2400">
+                <a:solidFill>
+                  <a:schemeClr val="dk1"/>
+                </a:solidFill>
+              </a:rPr>
+              <a:t>1.1</a:t>
+            </a:r>
+            <a:endParaRPr b="1" sz="2400">
+              <a:solidFill>
+                <a:schemeClr val="dk1"/>
+              </a:solidFill>
+            </a:endParaRPr>
+          </a:p>
+        </p:txBody>
+      </p:sp>
+      <p:pic>
+        <p:nvPicPr>
+          <p:cNvPr id="224" name="Google Shape;224;ga78dc7ea03_1_0"/>
+          <p:cNvPicPr preferRelativeResize="0"/>
+          <p:nvPr/>
+        </p:nvPicPr>
+        <p:blipFill>
+          <a:blip r:embed="rId4">
+            <a:alphaModFix/>
+          </a:blip>
+          <a:stretch>
+            <a:fillRect/>
+          </a:stretch>
+        </p:blipFill>
+        <p:spPr>
+          <a:xfrm>
+            <a:off x="5294525" y="4139075"/>
+            <a:ext cx="6810375" cy="1352550"/>
+          </a:xfrm>
+          <a:prstGeom prst="rect">
+            <a:avLst/>
+          </a:prstGeom>
+          <a:noFill/>
+          <a:ln>
+            <a:noFill/>
+          </a:ln>
+        </p:spPr>
+      </p:pic>
+    </p:spTree>
+  </p:cSld>
+  <p:clrMapOvr>
+    <a:masterClrMapping/>
+  </p:clrMapOvr>
+</p:sld>
+</file>
+
+<file path=ppt/slides/slide9.xml><?xml version="1.0" encoding="utf-8"?>
+<p:sld xmlns:a="http://schemas.openxmlformats.org/drawingml/2006/main" xmlns:r="http://schemas.openxmlformats.org/officeDocument/2006/relationships" xmlns:mc="http://schemas.openxmlformats.org/markup-compatibility/2006" xmlns:mv="urn:schemas-microsoft-com:mac:vml" xmlns:p="http://schemas.openxmlformats.org/presentationml/2006/main" xmlns:c="http://schemas.openxmlformats.org/drawingml/2006/chart" xmlns:dgm="http://schemas.openxmlformats.org/drawingml/2006/diagram" xmlns:o="urn:schemas-microsoft-com:office:office" xmlns:v="urn:schemas-microsoft-com:vml" xmlns:pvml="urn:schemas-microsoft-com:office:powerpoint" xmlns:com="http://schemas.openxmlformats.org/drawingml/2006/compatibility" xmlns:p14="http://schemas.microsoft.com/office/powerpoint/2010/main" xmlns:p15="http://schemas.microsoft.com/office/powerpoint/2012/main" xmlns:ahyp="http://schemas.microsoft.com/office/drawing/2018/hyperlinkcolor">
+  <p:cSld>
+    <p:spTree>
+      <p:nvGrpSpPr>
+        <p:cNvPr id="228" name="Shape 228"/>
+        <p:cNvGrpSpPr/>
+        <p:nvPr/>
+      </p:nvGrpSpPr>
+      <p:grpSpPr>
+        <a:xfrm>
+          <a:off x="0" y="0"/>
+          <a:ext cx="0" cy="0"/>
+          <a:chOff x="0" y="0"/>
+          <a:chExt cx="0" cy="0"/>
+        </a:xfrm>
+      </p:grpSpPr>
+      <p:sp>
+        <p:nvSpPr>
+          <p:cNvPr id="229" name="Google Shape;229;g8ecf36d074_0_24"/>
           <p:cNvSpPr txBox="1"/>
           <p:nvPr>
             <p:ph type="title"/>
@@ -25582,7 +26570,7 @@
       </p:sp>
       <p:sp>
         <p:nvSpPr>
-          <p:cNvPr id="221" name="Google Shape;221;g8ecf36d074_0_24"/>
+          <p:cNvPr id="230" name="Google Shape;230;g8ecf36d074_0_24"/>
           <p:cNvSpPr/>
           <p:nvPr/>
         </p:nvSpPr>
@@ -25634,7 +26622,7 @@
       </p:sp>
       <p:sp>
         <p:nvSpPr>
-          <p:cNvPr id="222" name="Google Shape;222;g8ecf36d074_0_24"/>
+          <p:cNvPr id="231" name="Google Shape;231;g8ecf36d074_0_24"/>
           <p:cNvSpPr/>
           <p:nvPr/>
         </p:nvSpPr>
@@ -25686,7 +26674,7 @@
       </p:sp>
       <p:sp>
         <p:nvSpPr>
-          <p:cNvPr id="223" name="Google Shape;223;g8ecf36d074_0_24"/>
+          <p:cNvPr id="232" name="Google Shape;232;g8ecf36d074_0_24"/>
           <p:cNvSpPr/>
           <p:nvPr/>
         </p:nvSpPr>
@@ -25738,7 +26726,7 @@
       </p:sp>
       <p:sp>
         <p:nvSpPr>
-          <p:cNvPr id="224" name="Google Shape;224;g8ecf36d074_0_24"/>
+          <p:cNvPr id="233" name="Google Shape;233;g8ecf36d074_0_24"/>
           <p:cNvSpPr/>
           <p:nvPr/>
         </p:nvSpPr>
@@ -25790,7 +26778,7 @@
       </p:sp>
       <p:sp>
         <p:nvSpPr>
-          <p:cNvPr id="225" name="Google Shape;225;g8ecf36d074_0_24"/>
+          <p:cNvPr id="234" name="Google Shape;234;g8ecf36d074_0_24"/>
           <p:cNvSpPr/>
           <p:nvPr/>
         </p:nvSpPr>
@@ -25842,10 +26830,10 @@
       </p:sp>
       <p:cxnSp>
         <p:nvCxnSpPr>
-          <p:cNvPr id="226" name="Google Shape;226;g8ecf36d074_0_24"/>
+          <p:cNvPr id="235" name="Google Shape;235;g8ecf36d074_0_24"/>
           <p:cNvCxnSpPr>
-            <a:stCxn id="225" idx="3"/>
-            <a:endCxn id="221" idx="1"/>
+            <a:stCxn id="234" idx="3"/>
+            <a:endCxn id="230" idx="1"/>
           </p:cNvCxnSpPr>
           <p:nvPr/>
         </p:nvCxnSpPr>
@@ -25871,10 +26859,10 @@
       </p:cxnSp>
       <p:cxnSp>
         <p:nvCxnSpPr>
-          <p:cNvPr id="227" name="Google Shape;227;g8ecf36d074_0_24"/>
+          <p:cNvPr id="236" name="Google Shape;236;g8ecf36d074_0_24"/>
           <p:cNvCxnSpPr>
-            <a:stCxn id="223" idx="3"/>
-            <a:endCxn id="221" idx="1"/>
+            <a:stCxn id="232" idx="3"/>
+            <a:endCxn id="230" idx="1"/>
           </p:cNvCxnSpPr>
           <p:nvPr/>
         </p:nvCxnSpPr>
@@ -25900,10 +26888,10 @@
       </p:cxnSp>
       <p:cxnSp>
         <p:nvCxnSpPr>
-          <p:cNvPr id="228" name="Google Shape;228;g8ecf36d074_0_24"/>
+          <p:cNvPr id="237" name="Google Shape;237;g8ecf36d074_0_24"/>
           <p:cNvCxnSpPr>
-            <a:stCxn id="224" idx="3"/>
-            <a:endCxn id="221" idx="1"/>
+            <a:stCxn id="233" idx="3"/>
+            <a:endCxn id="230" idx="1"/>
           </p:cNvCxnSpPr>
           <p:nvPr/>
         </p:nvCxnSpPr>
@@ -25929,10 +26917,10 @@
       </p:cxnSp>
       <p:cxnSp>
         <p:nvCxnSpPr>
-          <p:cNvPr id="229" name="Google Shape;229;g8ecf36d074_0_24"/>
+          <p:cNvPr id="238" name="Google Shape;238;g8ecf36d074_0_24"/>
           <p:cNvCxnSpPr>
-            <a:stCxn id="221" idx="3"/>
-            <a:endCxn id="222" idx="1"/>
+            <a:stCxn id="230" idx="3"/>
+            <a:endCxn id="231" idx="1"/>
           </p:cNvCxnSpPr>
           <p:nvPr/>
         </p:nvCxnSpPr>
@@ -25958,7 +26946,7 @@
       </p:cxnSp>
       <p:sp>
         <p:nvSpPr>
-          <p:cNvPr id="230" name="Google Shape;230;g8ecf36d074_0_24"/>
+          <p:cNvPr id="239" name="Google Shape;239;g8ecf36d074_0_24"/>
           <p:cNvSpPr txBox="1"/>
           <p:nvPr/>
         </p:nvSpPr>
@@ -26066,7 +27054,7 @@
       </p:sp>
       <p:sp>
         <p:nvSpPr>
-          <p:cNvPr id="231" name="Google Shape;231;g8ecf36d074_0_24"/>
+          <p:cNvPr id="240" name="Google Shape;240;g8ecf36d074_0_24"/>
           <p:cNvSpPr txBox="1"/>
           <p:nvPr/>
         </p:nvSpPr>
@@ -26164,7 +27152,7 @@
       </p:sp>
       <p:sp>
         <p:nvSpPr>
-          <p:cNvPr id="232" name="Google Shape;232;g8ecf36d074_0_24"/>
+          <p:cNvPr id="241" name="Google Shape;241;g8ecf36d074_0_24"/>
           <p:cNvSpPr txBox="1"/>
           <p:nvPr/>
         </p:nvSpPr>
@@ -26328,7 +27316,7 @@
       </p:sp>
       <p:sp>
         <p:nvSpPr>
-          <p:cNvPr id="233" name="Google Shape;233;g8ecf36d074_0_24"/>
+          <p:cNvPr id="242" name="Google Shape;242;g8ecf36d074_0_24"/>
           <p:cNvSpPr/>
           <p:nvPr/>
         </p:nvSpPr>
@@ -26386,10 +27374,10 @@
       </p:sp>
       <p:cxnSp>
         <p:nvCxnSpPr>
-          <p:cNvPr id="234" name="Google Shape;234;g8ecf36d074_0_24"/>
+          <p:cNvPr id="243" name="Google Shape;243;g8ecf36d074_0_24"/>
           <p:cNvCxnSpPr>
-            <a:stCxn id="233" idx="2"/>
-            <a:endCxn id="221" idx="0"/>
+            <a:stCxn id="242" idx="2"/>
+            <a:endCxn id="230" idx="0"/>
           </p:cNvCxnSpPr>
           <p:nvPr/>
         </p:nvCxnSpPr>
@@ -26415,7 +27403,7 @@
       </p:cxnSp>
       <p:sp>
         <p:nvSpPr>
-          <p:cNvPr id="235" name="Google Shape;235;g8ecf36d074_0_24"/>
+          <p:cNvPr id="244" name="Google Shape;244;g8ecf36d074_0_24"/>
           <p:cNvSpPr txBox="1"/>
           <p:nvPr/>
         </p:nvSpPr>
@@ -26592,250 +27580,286 @@
 </p:sld>
 </file>
 
-<file path=ppt/slides/slide9.xml><?xml version="1.0" encoding="utf-8"?>
-<p:sld xmlns:a="http://schemas.openxmlformats.org/drawingml/2006/main" xmlns:r="http://schemas.openxmlformats.org/officeDocument/2006/relationships" xmlns:mc="http://schemas.openxmlformats.org/markup-compatibility/2006" xmlns:mv="urn:schemas-microsoft-com:mac:vml" xmlns:p="http://schemas.openxmlformats.org/presentationml/2006/main" xmlns:c="http://schemas.openxmlformats.org/drawingml/2006/chart" xmlns:dgm="http://schemas.openxmlformats.org/drawingml/2006/diagram" xmlns:o="urn:schemas-microsoft-com:office:office" xmlns:v="urn:schemas-microsoft-com:vml" xmlns:pvml="urn:schemas-microsoft-com:office:powerpoint" xmlns:com="http://schemas.openxmlformats.org/drawingml/2006/compatibility" xmlns:p14="http://schemas.microsoft.com/office/powerpoint/2010/main" xmlns:p15="http://schemas.microsoft.com/office/powerpoint/2012/main" xmlns:ahyp="http://schemas.microsoft.com/office/drawing/2018/hyperlinkcolor">
-  <p:cSld>
-    <p:spTree>
-      <p:nvGrpSpPr>
-        <p:cNvPr id="239" name="Shape 239"/>
-        <p:cNvGrpSpPr/>
-        <p:nvPr/>
-      </p:nvGrpSpPr>
-      <p:grpSpPr>
-        <a:xfrm>
-          <a:off x="0" y="0"/>
-          <a:ext cx="0" cy="0"/>
-          <a:chOff x="0" y="0"/>
-          <a:chExt cx="0" cy="0"/>
-        </a:xfrm>
-      </p:grpSpPr>
-      <p:sp>
-        <p:nvSpPr>
-          <p:cNvPr id="240" name="Google Shape;240;g8ecf36d074_0_46"/>
-          <p:cNvSpPr txBox="1"/>
-          <p:nvPr>
-            <p:ph type="title"/>
-          </p:nvPr>
-        </p:nvSpPr>
-        <p:spPr>
-          <a:xfrm>
-            <a:off x="511625" y="132525"/>
-            <a:ext cx="10515600" cy="1325700"/>
-          </a:xfrm>
-          <a:prstGeom prst="rect">
-            <a:avLst/>
-          </a:prstGeom>
-        </p:spPr>
-        <p:txBody>
-          <a:bodyPr anchorCtr="0" anchor="ctr" bIns="45700" lIns="91425" spcFirstLastPara="1" rIns="91425" wrap="square" tIns="45700">
-            <a:noAutofit/>
-          </a:bodyPr>
-          <a:lstStyle/>
-          <a:p>
-            <a:pPr indent="0" lvl="0" marL="0" rtl="0" algn="l">
-              <a:spcBef>
-                <a:spcPts val="0"/>
-              </a:spcBef>
-              <a:spcAft>
-                <a:spcPts val="0"/>
-              </a:spcAft>
-              <a:buNone/>
-            </a:pPr>
-            <a:r>
-              <a:rPr lang="en-IN"/>
-              <a:t>Responsibilities</a:t>
-            </a:r>
-            <a:endParaRPr/>
-          </a:p>
-        </p:txBody>
-      </p:sp>
-      <p:sp>
-        <p:nvSpPr>
-          <p:cNvPr id="241" name="Google Shape;241;g8ecf36d074_0_46"/>
-          <p:cNvSpPr txBox="1"/>
-          <p:nvPr>
-            <p:ph idx="1" type="body"/>
-          </p:nvPr>
-        </p:nvSpPr>
-        <p:spPr>
-          <a:xfrm>
-            <a:off x="838200" y="1458225"/>
-            <a:ext cx="10515600" cy="4351200"/>
-          </a:xfrm>
-          <a:prstGeom prst="rect">
-            <a:avLst/>
-          </a:prstGeom>
-        </p:spPr>
-        <p:txBody>
-          <a:bodyPr anchorCtr="0" anchor="t" bIns="45700" lIns="91425" spcFirstLastPara="1" rIns="91425" wrap="square" tIns="45700">
-            <a:noAutofit/>
-          </a:bodyPr>
-          <a:lstStyle/>
-          <a:p>
-            <a:pPr indent="0" lvl="0" marL="0" rtl="0" algn="l">
-              <a:spcBef>
-                <a:spcPts val="1000"/>
-              </a:spcBef>
-              <a:spcAft>
-                <a:spcPts val="0"/>
-              </a:spcAft>
-              <a:buNone/>
-            </a:pPr>
-            <a:r>
-              <a:rPr lang="en-IN"/>
-              <a:t>DBA</a:t>
-            </a:r>
-            <a:endParaRPr/>
-          </a:p>
-          <a:p>
-            <a:pPr indent="-342900" lvl="0" marL="457200" rtl="0" algn="l">
-              <a:spcBef>
-                <a:spcPts val="1000"/>
-              </a:spcBef>
-              <a:spcAft>
-                <a:spcPts val="0"/>
-              </a:spcAft>
-              <a:buSzPts val="1800"/>
-              <a:buChar char="•"/>
-            </a:pPr>
-            <a:r>
-              <a:rPr lang="en-IN"/>
-              <a:t>Design DB </a:t>
-            </a:r>
-            <a:r>
-              <a:rPr lang="en-IN"/>
-              <a:t>structure</a:t>
-            </a:r>
-            <a:r>
-              <a:rPr lang="en-IN"/>
-              <a:t> based on the functionality</a:t>
-            </a:r>
-            <a:endParaRPr/>
-          </a:p>
-          <a:p>
-            <a:pPr indent="-342900" lvl="0" marL="457200" rtl="0" algn="l">
-              <a:spcBef>
-                <a:spcPts val="0"/>
-              </a:spcBef>
-              <a:spcAft>
-                <a:spcPts val="0"/>
-              </a:spcAft>
-              <a:buSzPts val="1800"/>
-              <a:buChar char="•"/>
-            </a:pPr>
-            <a:r>
-              <a:rPr lang="en-IN"/>
-              <a:t>Create the db structure and upload to development branch</a:t>
-            </a:r>
-            <a:endParaRPr/>
-          </a:p>
-          <a:p>
-            <a:pPr indent="-342900" lvl="0" marL="457200" rtl="0" algn="l">
-              <a:spcBef>
-                <a:spcPts val="0"/>
-              </a:spcBef>
-              <a:spcAft>
-                <a:spcPts val="0"/>
-              </a:spcAft>
-              <a:buSzPts val="1800"/>
-              <a:buChar char="•"/>
-            </a:pPr>
-            <a:r>
-              <a:rPr lang="en-IN"/>
-              <a:t>Create migration script to transfer data from old db to new db in QA and Prod</a:t>
-            </a:r>
-            <a:endParaRPr/>
-          </a:p>
-          <a:p>
-            <a:pPr indent="0" lvl="0" marL="0" rtl="0" algn="l">
-              <a:spcBef>
-                <a:spcPts val="1000"/>
-              </a:spcBef>
-              <a:spcAft>
-                <a:spcPts val="0"/>
-              </a:spcAft>
-              <a:buNone/>
-            </a:pPr>
-            <a:r>
-              <a:rPr lang="en-IN"/>
-              <a:t>Release Manager</a:t>
-            </a:r>
-            <a:endParaRPr/>
-          </a:p>
-          <a:p>
-            <a:pPr indent="-342900" lvl="0" marL="457200" rtl="0" algn="l">
-              <a:spcBef>
-                <a:spcPts val="1000"/>
-              </a:spcBef>
-              <a:spcAft>
-                <a:spcPts val="0"/>
-              </a:spcAft>
-              <a:buSzPts val="1800"/>
-              <a:buChar char="•"/>
-            </a:pPr>
-            <a:r>
-              <a:rPr lang="en-IN"/>
-              <a:t>Merge code base from Development Branch to QA and Production Branch</a:t>
-            </a:r>
-            <a:endParaRPr/>
-          </a:p>
-          <a:p>
-            <a:pPr indent="-342900" lvl="0" marL="457200" rtl="0" algn="l">
-              <a:spcBef>
-                <a:spcPts val="0"/>
-              </a:spcBef>
-              <a:spcAft>
-                <a:spcPts val="0"/>
-              </a:spcAft>
-              <a:buSzPts val="1800"/>
-              <a:buChar char="•"/>
-            </a:pPr>
-            <a:r>
-              <a:rPr lang="en-IN"/>
-              <a:t>Lock the db files changes in Production to avoid accidental </a:t>
-            </a:r>
-            <a:r>
-              <a:rPr lang="en-IN"/>
-              <a:t>overwriting</a:t>
-            </a:r>
-            <a:endParaRPr/>
-          </a:p>
-          <a:p>
-            <a:pPr indent="-342900" lvl="0" marL="457200" rtl="0" algn="l">
-              <a:spcBef>
-                <a:spcPts val="0"/>
-              </a:spcBef>
-              <a:spcAft>
-                <a:spcPts val="0"/>
-              </a:spcAft>
-              <a:buSzPts val="1800"/>
-              <a:buChar char="•"/>
-            </a:pPr>
-            <a:r>
-              <a:rPr lang="en-IN"/>
-              <a:t>Create script to backup </a:t>
-            </a:r>
-            <a:r>
-              <a:rPr lang="en-IN"/>
-              <a:t>production</a:t>
-            </a:r>
-            <a:r>
-              <a:rPr lang="en-IN"/>
-              <a:t> data files periodically.</a:t>
-            </a:r>
-            <a:endParaRPr/>
-          </a:p>
-        </p:txBody>
-      </p:sp>
-    </p:spTree>
-  </p:cSld>
-  <p:clrMapOvr>
-    <a:masterClrMapping/>
-  </p:clrMapOvr>
-</p:sld>
+<file path=ppt/theme/theme1.xml><?xml version="1.0" encoding="utf-8"?>
+<a:theme xmlns:a="http://schemas.openxmlformats.org/drawingml/2006/main" xmlns:r="http://schemas.openxmlformats.org/officeDocument/2006/relationships">
+  <a:themeElements>
+    <a:clrScheme name="Default">
+      <a:dk1>
+        <a:srgbClr val="000000"/>
+      </a:dk1>
+      <a:lt1>
+        <a:srgbClr val="FFFFFF"/>
+      </a:lt1>
+      <a:dk2>
+        <a:srgbClr val="158158"/>
+      </a:dk2>
+      <a:lt2>
+        <a:srgbClr val="F3F3F3"/>
+      </a:lt2>
+      <a:accent1>
+        <a:srgbClr val="058DC7"/>
+      </a:accent1>
+      <a:accent2>
+        <a:srgbClr val="50B432"/>
+      </a:accent2>
+      <a:accent3>
+        <a:srgbClr val="ED561B"/>
+      </a:accent3>
+      <a:accent4>
+        <a:srgbClr val="EDEF00"/>
+      </a:accent4>
+      <a:accent5>
+        <a:srgbClr val="24CBE5"/>
+      </a:accent5>
+      <a:accent6>
+        <a:srgbClr val="64E572"/>
+      </a:accent6>
+      <a:hlink>
+        <a:srgbClr val="2200CC"/>
+      </a:hlink>
+      <a:folHlink>
+        <a:srgbClr val="551A8B"/>
+      </a:folHlink>
+    </a:clrScheme>
+    <a:fontScheme name="Office">
+      <a:majorFont>
+        <a:latin typeface="Arial"/>
+        <a:ea typeface=""/>
+        <a:cs typeface=""/>
+        <a:font script="Jpan" typeface="ＭＳ Ｐゴシック"/>
+        <a:font script="Hang" typeface="맑은 고딕"/>
+        <a:font script="Hans" typeface="宋体"/>
+        <a:font script="Hant" typeface="新細明體"/>
+        <a:font script="Arab" typeface="Times New Roman"/>
+        <a:font script="Hebr" typeface="Times New Roman"/>
+        <a:font script="Thai" typeface="Angsana New"/>
+        <a:font script="Ethi" typeface="Nyala"/>
+        <a:font script="Beng" typeface="Vrinda"/>
+        <a:font script="Gujr" typeface="Shruti"/>
+        <a:font script="Khmr" typeface="MoolBoran"/>
+        <a:font script="Knda" typeface="Tunga"/>
+        <a:font script="Guru" typeface="Raavi"/>
+        <a:font script="Cans" typeface="Euphemia"/>
+        <a:font script="Cher" typeface="Plantagenet Cherokee"/>
+        <a:font script="Yiii" typeface="Microsoft Yi Baiti"/>
+        <a:font script="Tibt" typeface="Microsoft Himalaya"/>
+        <a:font script="Thaa" typeface="MV Boli"/>
+        <a:font script="Deva" typeface="Mangal"/>
+        <a:font script="Telu" typeface="Gautami"/>
+        <a:font script="Taml" typeface="Latha"/>
+        <a:font script="Syrc" typeface="Estrangelo Edessa"/>
+        <a:font script="Orya" typeface="Kalinga"/>
+        <a:font script="Mlym" typeface="Kartika"/>
+        <a:font script="Laoo" typeface="DokChampa"/>
+        <a:font script="Sinh" typeface="Iskoola Pota"/>
+        <a:font script="Mong" typeface="Mongolian Baiti"/>
+        <a:font script="Viet" typeface="Times New Roman"/>
+        <a:font script="Uigh" typeface="Microsoft Uighur"/>
+        <a:font script="Geor" typeface="Sylfaen"/>
+      </a:majorFont>
+      <a:minorFont>
+        <a:latin typeface="Arial"/>
+        <a:ea typeface=""/>
+        <a:cs typeface=""/>
+        <a:font script="Jpan" typeface="ＭＳ Ｐゴシック"/>
+        <a:font script="Hang" typeface="맑은 고딕"/>
+        <a:font script="Hans" typeface="宋体"/>
+        <a:font script="Hant" typeface="新細明體"/>
+        <a:font script="Arab" typeface="Arial"/>
+        <a:font script="Hebr" typeface="Arial"/>
+        <a:font script="Thai" typeface="Cordia New"/>
+        <a:font script="Ethi" typeface="Nyala"/>
+        <a:font script="Beng" typeface="Vrinda"/>
+        <a:font script="Gujr" typeface="Shruti"/>
+        <a:font script="Khmr" typeface="DaunPenh"/>
+        <a:font script="Knda" typeface="Tunga"/>
+        <a:font script="Guru" typeface="Raavi"/>
+        <a:font script="Cans" typeface="Euphemia"/>
+        <a:font script="Cher" typeface="Plantagenet Cherokee"/>
+        <a:font script="Yiii" typeface="Microsoft Yi Baiti"/>
+        <a:font script="Tibt" typeface="Microsoft Himalaya"/>
+        <a:font script="Thaa" typeface="MV Boli"/>
+        <a:font script="Deva" typeface="Mangal"/>
+        <a:font script="Telu" typeface="Gautami"/>
+        <a:font script="Taml" typeface="Latha"/>
+        <a:font script="Syrc" typeface="Estrangelo Edessa"/>
+        <a:font script="Orya" typeface="Kalinga"/>
+        <a:font script="Mlym" typeface="Kartika"/>
+        <a:font script="Laoo" typeface="DokChampa"/>
+        <a:font script="Sinh" typeface="Iskoola Pota"/>
+        <a:font script="Mong" typeface="Mongolian Baiti"/>
+        <a:font script="Viet" typeface="Arial"/>
+        <a:font script="Uigh" typeface="Microsoft Uighur"/>
+        <a:font script="Geor" typeface="Sylfaen"/>
+      </a:minorFont>
+    </a:fontScheme>
+    <a:fmtScheme name="Office">
+      <a:fillStyleLst>
+        <a:solidFill>
+          <a:schemeClr val="phClr"/>
+        </a:solidFill>
+        <a:gradFill rotWithShape="1">
+          <a:gsLst>
+            <a:gs pos="0">
+              <a:schemeClr val="phClr">
+                <a:tint val="50000"/>
+                <a:satMod val="300000"/>
+              </a:schemeClr>
+            </a:gs>
+            <a:gs pos="35000">
+              <a:schemeClr val="phClr">
+                <a:tint val="37000"/>
+                <a:satMod val="300000"/>
+              </a:schemeClr>
+            </a:gs>
+            <a:gs pos="100000">
+              <a:schemeClr val="phClr">
+                <a:tint val="15000"/>
+                <a:satMod val="350000"/>
+              </a:schemeClr>
+            </a:gs>
+          </a:gsLst>
+          <a:lin ang="16200000" scaled="1"/>
+        </a:gradFill>
+        <a:gradFill rotWithShape="1">
+          <a:gsLst>
+            <a:gs pos="0">
+              <a:schemeClr val="phClr">
+                <a:tint val="100000"/>
+                <a:shade val="100000"/>
+                <a:satMod val="130000"/>
+              </a:schemeClr>
+            </a:gs>
+            <a:gs pos="100000">
+              <a:schemeClr val="phClr">
+                <a:tint val="50000"/>
+                <a:shade val="100000"/>
+                <a:satMod val="350000"/>
+              </a:schemeClr>
+            </a:gs>
+          </a:gsLst>
+          <a:lin ang="16200000" scaled="0"/>
+        </a:gradFill>
+      </a:fillStyleLst>
+      <a:lnStyleLst>
+        <a:ln w="9525" cap="flat" cmpd="sng" algn="ctr">
+          <a:solidFill>
+            <a:schemeClr val="phClr">
+              <a:shade val="95000"/>
+              <a:satMod val="105000"/>
+            </a:schemeClr>
+          </a:solidFill>
+          <a:prstDash val="solid"/>
+        </a:ln>
+        <a:ln w="25400" cap="flat" cmpd="sng" algn="ctr">
+          <a:solidFill>
+            <a:schemeClr val="phClr"/>
+          </a:solidFill>
+          <a:prstDash val="solid"/>
+        </a:ln>
+        <a:ln w="38100" cap="flat" cmpd="sng" algn="ctr">
+          <a:solidFill>
+            <a:schemeClr val="phClr"/>
+          </a:solidFill>
+          <a:prstDash val="solid"/>
+        </a:ln>
+      </a:lnStyleLst>
+      <a:effectStyleLst>
+        <a:effectStyle>
+          <a:effectLst>
+            <a:outerShdw blurRad="40000" dist="20000" dir="5400000" rotWithShape="0">
+              <a:srgbClr val="000000">
+                <a:alpha val="38000"/>
+              </a:srgbClr>
+            </a:outerShdw>
+          </a:effectLst>
+        </a:effectStyle>
+        <a:effectStyle>
+          <a:effectLst>
+            <a:outerShdw blurRad="40000" dist="23000" dir="5400000" rotWithShape="0">
+              <a:srgbClr val="000000">
+                <a:alpha val="35000"/>
+              </a:srgbClr>
+            </a:outerShdw>
+          </a:effectLst>
+        </a:effectStyle>
+        <a:effectStyle>
+          <a:effectLst>
+            <a:outerShdw blurRad="40000" dist="23000" dir="5400000" rotWithShape="0">
+              <a:srgbClr val="000000">
+                <a:alpha val="35000"/>
+              </a:srgbClr>
+            </a:outerShdw>
+          </a:effectLst>
+          <a:scene3d>
+            <a:camera prst="orthographicFront">
+              <a:rot lat="0" lon="0" rev="0"/>
+            </a:camera>
+            <a:lightRig rig="threePt" dir="t">
+              <a:rot lat="0" lon="0" rev="1200000"/>
+            </a:lightRig>
+          </a:scene3d>
+          <a:sp3d>
+            <a:bevelT w="63500" h="25400"/>
+          </a:sp3d>
+        </a:effectStyle>
+      </a:effectStyleLst>
+      <a:bgFillStyleLst>
+        <a:solidFill>
+          <a:schemeClr val="phClr"/>
+        </a:solidFill>
+        <a:gradFill rotWithShape="1">
+          <a:gsLst>
+            <a:gs pos="0">
+              <a:schemeClr val="phClr">
+                <a:tint val="40000"/>
+                <a:satMod val="350000"/>
+              </a:schemeClr>
+            </a:gs>
+            <a:gs pos="40000">
+              <a:schemeClr val="phClr">
+                <a:tint val="45000"/>
+                <a:shade val="99000"/>
+                <a:satMod val="350000"/>
+              </a:schemeClr>
+            </a:gs>
+            <a:gs pos="100000">
+              <a:schemeClr val="phClr">
+                <a:shade val="20000"/>
+                <a:satMod val="255000"/>
+              </a:schemeClr>
+            </a:gs>
+          </a:gsLst>
+          <a:path path="circle">
+            <a:fillToRect l="50000" t="-80000" r="50000" b="180000"/>
+          </a:path>
+        </a:gradFill>
+        <a:gradFill rotWithShape="1">
+          <a:gsLst>
+            <a:gs pos="0">
+              <a:schemeClr val="phClr">
+                <a:tint val="80000"/>
+                <a:satMod val="300000"/>
+              </a:schemeClr>
+            </a:gs>
+            <a:gs pos="100000">
+              <a:schemeClr val="phClr">
+                <a:shade val="30000"/>
+                <a:satMod val="200000"/>
+              </a:schemeClr>
+            </a:gs>
+          </a:gsLst>
+          <a:path path="circle">
+            <a:fillToRect l="50000" t="50000" r="50000" b="50000"/>
+          </a:path>
+        </a:gradFill>
+      </a:bgFillStyleLst>
+    </a:fmtScheme>
+  </a:themeElements>
+</a:theme>
 </file>
 
-<file path=ppt/theme/theme1.xml><?xml version="1.0" encoding="utf-8"?>
+<file path=ppt/theme/theme2.xml><?xml version="1.0" encoding="utf-8"?>
 <a:theme xmlns:a="http://schemas.openxmlformats.org/drawingml/2006/main" xmlns:r="http://schemas.openxmlformats.org/officeDocument/2006/relationships" name="Office Theme">
   <a:themeElements>
     <a:clrScheme name="Office">
@@ -27114,7 +28138,7 @@
 </a:theme>
 </file>
 
-<file path=ppt/theme/theme2.xml><?xml version="1.0" encoding="utf-8"?>
+<file path=ppt/theme/theme3.xml><?xml version="1.0" encoding="utf-8"?>
 <a:theme xmlns:a="http://schemas.openxmlformats.org/drawingml/2006/main" xmlns:r="http://schemas.openxmlformats.org/officeDocument/2006/relationships" name="cf">
   <a:themeElements>
     <a:clrScheme name="CF">
@@ -27391,283 +28415,4 @@
     </a:fmtScheme>
   </a:themeElements>
 </a:theme>
-</file>
-
-<file path=ppt/theme/theme3.xml><?xml version="1.0" encoding="utf-8"?>
-<a:theme xmlns:a="http://schemas.openxmlformats.org/drawingml/2006/main" xmlns:r="http://schemas.openxmlformats.org/officeDocument/2006/relationships">
-  <a:themeElements>
-    <a:clrScheme name="Default">
-      <a:dk1>
-        <a:srgbClr val="000000"/>
-      </a:dk1>
-      <a:lt1>
-        <a:srgbClr val="FFFFFF"/>
-      </a:lt1>
-      <a:dk2>
-        <a:srgbClr val="158158"/>
-      </a:dk2>
-      <a:lt2>
-        <a:srgbClr val="F3F3F3"/>
-      </a:lt2>
-      <a:accent1>
-        <a:srgbClr val="058DC7"/>
-      </a:accent1>
-      <a:accent2>
-        <a:srgbClr val="50B432"/>
-      </a:accent2>
-      <a:accent3>
-        <a:srgbClr val="ED561B"/>
-      </a:accent3>
-      <a:accent4>
-        <a:srgbClr val="EDEF00"/>
-      </a:accent4>
-      <a:accent5>
-        <a:srgbClr val="24CBE5"/>
-      </a:accent5>
-      <a:accent6>
-        <a:srgbClr val="64E572"/>
-      </a:accent6>
-      <a:hlink>
-        <a:srgbClr val="2200CC"/>
-      </a:hlink>
-      <a:folHlink>
-        <a:srgbClr val="551A8B"/>
-      </a:folHlink>
-    </a:clrScheme>
-    <a:fontScheme name="Office">
-      <a:majorFont>
-        <a:latin typeface="Arial"/>
-        <a:ea typeface=""/>
-        <a:cs typeface=""/>
-        <a:font script="Jpan" typeface="ＭＳ Ｐゴシック"/>
-        <a:font script="Hang" typeface="맑은 고딕"/>
-        <a:font script="Hans" typeface="宋体"/>
-        <a:font script="Hant" typeface="新細明體"/>
-        <a:font script="Arab" typeface="Times New Roman"/>
-        <a:font script="Hebr" typeface="Times New Roman"/>
-        <a:font script="Thai" typeface="Angsana New"/>
-        <a:font script="Ethi" typeface="Nyala"/>
-        <a:font script="Beng" typeface="Vrinda"/>
-        <a:font script="Gujr" typeface="Shruti"/>
-        <a:font script="Khmr" typeface="MoolBoran"/>
-        <a:font script="Knda" typeface="Tunga"/>
-        <a:font script="Guru" typeface="Raavi"/>
-        <a:font script="Cans" typeface="Euphemia"/>
-        <a:font script="Cher" typeface="Plantagenet Cherokee"/>
-        <a:font script="Yiii" typeface="Microsoft Yi Baiti"/>
-        <a:font script="Tibt" typeface="Microsoft Himalaya"/>
-        <a:font script="Thaa" typeface="MV Boli"/>
-        <a:font script="Deva" typeface="Mangal"/>
-        <a:font script="Telu" typeface="Gautami"/>
-        <a:font script="Taml" typeface="Latha"/>
-        <a:font script="Syrc" typeface="Estrangelo Edessa"/>
-        <a:font script="Orya" typeface="Kalinga"/>
-        <a:font script="Mlym" typeface="Kartika"/>
-        <a:font script="Laoo" typeface="DokChampa"/>
-        <a:font script="Sinh" typeface="Iskoola Pota"/>
-        <a:font script="Mong" typeface="Mongolian Baiti"/>
-        <a:font script="Viet" typeface="Times New Roman"/>
-        <a:font script="Uigh" typeface="Microsoft Uighur"/>
-        <a:font script="Geor" typeface="Sylfaen"/>
-      </a:majorFont>
-      <a:minorFont>
-        <a:latin typeface="Arial"/>
-        <a:ea typeface=""/>
-        <a:cs typeface=""/>
-        <a:font script="Jpan" typeface="ＭＳ Ｐゴシック"/>
-        <a:font script="Hang" typeface="맑은 고딕"/>
-        <a:font script="Hans" typeface="宋体"/>
-        <a:font script="Hant" typeface="新細明體"/>
-        <a:font script="Arab" typeface="Arial"/>
-        <a:font script="Hebr" typeface="Arial"/>
-        <a:font script="Thai" typeface="Cordia New"/>
-        <a:font script="Ethi" typeface="Nyala"/>
-        <a:font script="Beng" typeface="Vrinda"/>
-        <a:font script="Gujr" typeface="Shruti"/>
-        <a:font script="Khmr" typeface="DaunPenh"/>
-        <a:font script="Knda" typeface="Tunga"/>
-        <a:font script="Guru" typeface="Raavi"/>
-        <a:font script="Cans" typeface="Euphemia"/>
-        <a:font script="Cher" typeface="Plantagenet Cherokee"/>
-        <a:font script="Yiii" typeface="Microsoft Yi Baiti"/>
-        <a:font script="Tibt" typeface="Microsoft Himalaya"/>
-        <a:font script="Thaa" typeface="MV Boli"/>
-        <a:font script="Deva" typeface="Mangal"/>
-        <a:font script="Telu" typeface="Gautami"/>
-        <a:font script="Taml" typeface="Latha"/>
-        <a:font script="Syrc" typeface="Estrangelo Edessa"/>
-        <a:font script="Orya" typeface="Kalinga"/>
-        <a:font script="Mlym" typeface="Kartika"/>
-        <a:font script="Laoo" typeface="DokChampa"/>
-        <a:font script="Sinh" typeface="Iskoola Pota"/>
-        <a:font script="Mong" typeface="Mongolian Baiti"/>
-        <a:font script="Viet" typeface="Arial"/>
-        <a:font script="Uigh" typeface="Microsoft Uighur"/>
-        <a:font script="Geor" typeface="Sylfaen"/>
-      </a:minorFont>
-    </a:fontScheme>
-    <a:fmtScheme name="Office">
-      <a:fillStyleLst>
-        <a:solidFill>
-          <a:schemeClr val="phClr"/>
-        </a:solidFill>
-        <a:gradFill rotWithShape="1">
-          <a:gsLst>
-            <a:gs pos="0">
-              <a:schemeClr val="phClr">
-                <a:tint val="50000"/>
-                <a:satMod val="300000"/>
-              </a:schemeClr>
-            </a:gs>
-            <a:gs pos="35000">
-              <a:schemeClr val="phClr">
-                <a:tint val="37000"/>
-                <a:satMod val="300000"/>
-              </a:schemeClr>
-            </a:gs>
-            <a:gs pos="100000">
-              <a:schemeClr val="phClr">
-                <a:tint val="15000"/>
-                <a:satMod val="350000"/>
-              </a:schemeClr>
-            </a:gs>
-          </a:gsLst>
-          <a:lin ang="16200000" scaled="1"/>
-        </a:gradFill>
-        <a:gradFill rotWithShape="1">
-          <a:gsLst>
-            <a:gs pos="0">
-              <a:schemeClr val="phClr">
-                <a:tint val="100000"/>
-                <a:shade val="100000"/>
-                <a:satMod val="130000"/>
-              </a:schemeClr>
-            </a:gs>
-            <a:gs pos="100000">
-              <a:schemeClr val="phClr">
-                <a:tint val="50000"/>
-                <a:shade val="100000"/>
-                <a:satMod val="350000"/>
-              </a:schemeClr>
-            </a:gs>
-          </a:gsLst>
-          <a:lin ang="16200000" scaled="0"/>
-        </a:gradFill>
-      </a:fillStyleLst>
-      <a:lnStyleLst>
-        <a:ln w="9525" cap="flat" cmpd="sng" algn="ctr">
-          <a:solidFill>
-            <a:schemeClr val="phClr">
-              <a:shade val="95000"/>
-              <a:satMod val="105000"/>
-            </a:schemeClr>
-          </a:solidFill>
-          <a:prstDash val="solid"/>
-        </a:ln>
-        <a:ln w="25400" cap="flat" cmpd="sng" algn="ctr">
-          <a:solidFill>
-            <a:schemeClr val="phClr"/>
-          </a:solidFill>
-          <a:prstDash val="solid"/>
-        </a:ln>
-        <a:ln w="38100" cap="flat" cmpd="sng" algn="ctr">
-          <a:solidFill>
-            <a:schemeClr val="phClr"/>
-          </a:solidFill>
-          <a:prstDash val="solid"/>
-        </a:ln>
-      </a:lnStyleLst>
-      <a:effectStyleLst>
-        <a:effectStyle>
-          <a:effectLst>
-            <a:outerShdw blurRad="40000" dist="20000" dir="5400000" rotWithShape="0">
-              <a:srgbClr val="000000">
-                <a:alpha val="38000"/>
-              </a:srgbClr>
-            </a:outerShdw>
-          </a:effectLst>
-        </a:effectStyle>
-        <a:effectStyle>
-          <a:effectLst>
-            <a:outerShdw blurRad="40000" dist="23000" dir="5400000" rotWithShape="0">
-              <a:srgbClr val="000000">
-                <a:alpha val="35000"/>
-              </a:srgbClr>
-            </a:outerShdw>
-          </a:effectLst>
-        </a:effectStyle>
-        <a:effectStyle>
-          <a:effectLst>
-            <a:outerShdw blurRad="40000" dist="23000" dir="5400000" rotWithShape="0">
-              <a:srgbClr val="000000">
-                <a:alpha val="35000"/>
-              </a:srgbClr>
-            </a:outerShdw>
-          </a:effectLst>
-          <a:scene3d>
-            <a:camera prst="orthographicFront">
-              <a:rot lat="0" lon="0" rev="0"/>
-            </a:camera>
-            <a:lightRig rig="threePt" dir="t">
-              <a:rot lat="0" lon="0" rev="1200000"/>
-            </a:lightRig>
-          </a:scene3d>
-          <a:sp3d>
-            <a:bevelT w="63500" h="25400"/>
-          </a:sp3d>
-        </a:effectStyle>
-      </a:effectStyleLst>
-      <a:bgFillStyleLst>
-        <a:solidFill>
-          <a:schemeClr val="phClr"/>
-        </a:solidFill>
-        <a:gradFill rotWithShape="1">
-          <a:gsLst>
-            <a:gs pos="0">
-              <a:schemeClr val="phClr">
-                <a:tint val="40000"/>
-                <a:satMod val="350000"/>
-              </a:schemeClr>
-            </a:gs>
-            <a:gs pos="40000">
-              <a:schemeClr val="phClr">
-                <a:tint val="45000"/>
-                <a:shade val="99000"/>
-                <a:satMod val="350000"/>
-              </a:schemeClr>
-            </a:gs>
-            <a:gs pos="100000">
-              <a:schemeClr val="phClr">
-                <a:shade val="20000"/>
-                <a:satMod val="255000"/>
-              </a:schemeClr>
-            </a:gs>
-          </a:gsLst>
-          <a:path path="circle">
-            <a:fillToRect l="50000" t="-80000" r="50000" b="180000"/>
-          </a:path>
-        </a:gradFill>
-        <a:gradFill rotWithShape="1">
-          <a:gsLst>
-            <a:gs pos="0">
-              <a:schemeClr val="phClr">
-                <a:tint val="80000"/>
-                <a:satMod val="300000"/>
-              </a:schemeClr>
-            </a:gs>
-            <a:gs pos="100000">
-              <a:schemeClr val="phClr">
-                <a:shade val="30000"/>
-                <a:satMod val="200000"/>
-              </a:schemeClr>
-            </a:gs>
-          </a:gsLst>
-          <a:path path="circle">
-            <a:fillToRect l="50000" t="50000" r="50000" b="50000"/>
-          </a:path>
-        </a:gradFill>
-      </a:bgFillStyleLst>
-    </a:fmtScheme>
-  </a:themeElements>
-</a:theme>
 </file>